--- a/ECOMMERCE PROJECT FOR ONLINE SHOPPING (1).pptx
+++ b/ECOMMERCE PROJECT FOR ONLINE SHOPPING (1).pptx
@@ -5,10 +5,10 @@
     <p:sldMasterId id="2147483720" r:id="rId1"/>
   </p:sldMasterIdLst>
   <p:notesMasterIdLst>
-    <p:notesMasterId r:id="rId19"/>
+    <p:notesMasterId r:id="rId12"/>
   </p:notesMasterIdLst>
   <p:handoutMasterIdLst>
-    <p:handoutMasterId r:id="rId20"/>
+    <p:handoutMasterId r:id="rId13"/>
   </p:handoutMasterIdLst>
   <p:sldIdLst>
     <p:sldId id="256" r:id="rId2"/>
@@ -20,14 +20,7 @@
     <p:sldId id="279" r:id="rId8"/>
     <p:sldId id="260" r:id="rId9"/>
     <p:sldId id="259" r:id="rId10"/>
-    <p:sldId id="265" r:id="rId11"/>
-    <p:sldId id="266" r:id="rId12"/>
-    <p:sldId id="272" r:id="rId13"/>
-    <p:sldId id="270" r:id="rId14"/>
-    <p:sldId id="271" r:id="rId15"/>
-    <p:sldId id="273" r:id="rId16"/>
-    <p:sldId id="274" r:id="rId17"/>
-    <p:sldId id="278" r:id="rId18"/>
+    <p:sldId id="278" r:id="rId11"/>
   </p:sldIdLst>
   <p:sldSz cx="12192000" cy="6858000"/>
   <p:notesSz cx="6858000" cy="9144000"/>
@@ -3784,42 +3777,6 @@
         </a:p>
       </dgm:t>
     </dgm:pt>
-    <dgm:pt modelId="{73C09A3F-FE34-4151-95E7-3546BE196EA3}">
-      <dgm:prSet/>
-      <dgm:spPr/>
-      <dgm:t>
-        <a:bodyPr/>
-        <a:lstStyle/>
-        <a:p>
-          <a:r>
-            <a:rPr lang="en-US"/>
-            <a:t>Category List</a:t>
-          </a:r>
-        </a:p>
-      </dgm:t>
-    </dgm:pt>
-    <dgm:pt modelId="{14A286AD-4A22-4EDE-9603-2EF88A1EB98E}" type="parTrans" cxnId="{56394DEA-8F35-40ED-A327-351C27185462}">
-      <dgm:prSet/>
-      <dgm:spPr/>
-      <dgm:t>
-        <a:bodyPr/>
-        <a:lstStyle/>
-        <a:p>
-          <a:endParaRPr lang="en-US"/>
-        </a:p>
-      </dgm:t>
-    </dgm:pt>
-    <dgm:pt modelId="{B91CDFB2-97A0-4AC6-B5DA-155C851B42CD}" type="sibTrans" cxnId="{56394DEA-8F35-40ED-A327-351C27185462}">
-      <dgm:prSet/>
-      <dgm:spPr/>
-      <dgm:t>
-        <a:bodyPr/>
-        <a:lstStyle/>
-        <a:p>
-          <a:endParaRPr lang="en-US"/>
-        </a:p>
-      </dgm:t>
-    </dgm:pt>
     <dgm:pt modelId="{2C8E2F15-8CB8-4746-9322-EFC57ED4D12C}">
       <dgm:prSet/>
       <dgm:spPr/>
@@ -3846,78 +3803,6 @@
       </dgm:t>
     </dgm:pt>
     <dgm:pt modelId="{792AC601-7B66-49A4-8603-4C50BB1BE76E}" type="sibTrans" cxnId="{CD429BF8-CC64-4144-9C92-B245E0C98D43}">
-      <dgm:prSet/>
-      <dgm:spPr/>
-      <dgm:t>
-        <a:bodyPr/>
-        <a:lstStyle/>
-        <a:p>
-          <a:endParaRPr lang="en-US"/>
-        </a:p>
-      </dgm:t>
-    </dgm:pt>
-    <dgm:pt modelId="{77C26C9A-D4C3-4906-A8C5-0B4C0943E272}">
-      <dgm:prSet/>
-      <dgm:spPr/>
-      <dgm:t>
-        <a:bodyPr/>
-        <a:lstStyle/>
-        <a:p>
-          <a:r>
-            <a:rPr lang="en-US"/>
-            <a:t>Product Browsing</a:t>
-          </a:r>
-        </a:p>
-      </dgm:t>
-    </dgm:pt>
-    <dgm:pt modelId="{43CEFDCB-6FC1-4433-B399-C23FEE5D7C2C}" type="parTrans" cxnId="{B0AA4A78-8706-4A58-BCC5-A335089B057D}">
-      <dgm:prSet/>
-      <dgm:spPr/>
-      <dgm:t>
-        <a:bodyPr/>
-        <a:lstStyle/>
-        <a:p>
-          <a:endParaRPr lang="en-US"/>
-        </a:p>
-      </dgm:t>
-    </dgm:pt>
-    <dgm:pt modelId="{D100C758-3B31-445B-B471-A7B58E42E895}" type="sibTrans" cxnId="{B0AA4A78-8706-4A58-BCC5-A335089B057D}">
-      <dgm:prSet/>
-      <dgm:spPr/>
-      <dgm:t>
-        <a:bodyPr/>
-        <a:lstStyle/>
-        <a:p>
-          <a:endParaRPr lang="en-US"/>
-        </a:p>
-      </dgm:t>
-    </dgm:pt>
-    <dgm:pt modelId="{167D5308-82A0-4286-AF2F-6C2E90149D17}">
-      <dgm:prSet/>
-      <dgm:spPr/>
-      <dgm:t>
-        <a:bodyPr/>
-        <a:lstStyle/>
-        <a:p>
-          <a:r>
-            <a:rPr lang="en-US"/>
-            <a:t>Related products</a:t>
-          </a:r>
-        </a:p>
-      </dgm:t>
-    </dgm:pt>
-    <dgm:pt modelId="{6EEF650D-8066-4D07-8370-27B30796EE5A}" type="parTrans" cxnId="{97F1DBA7-AB7E-42EC-864A-AB83B6221D45}">
-      <dgm:prSet/>
-      <dgm:spPr/>
-      <dgm:t>
-        <a:bodyPr/>
-        <a:lstStyle/>
-        <a:p>
-          <a:endParaRPr lang="en-US"/>
-        </a:p>
-      </dgm:t>
-    </dgm:pt>
-    <dgm:pt modelId="{0DE2A252-04F2-42C0-AC75-591B0BAE16E5}" type="sibTrans" cxnId="{97F1DBA7-AB7E-42EC-864A-AB83B6221D45}">
       <dgm:prSet/>
       <dgm:spPr/>
       <dgm:t>
@@ -4082,7 +3967,7 @@
       <dgm:spPr/>
     </dgm:pt>
     <dgm:pt modelId="{1F947746-CCBC-4CAA-9D19-028254F2891E}" type="pres">
-      <dgm:prSet presAssocID="{E4AE3B14-AFB8-4E3F-91E9-5288791F05FD}" presName="node" presStyleLbl="node1" presStyleIdx="0" presStyleCnt="11">
+      <dgm:prSet presAssocID="{E4AE3B14-AFB8-4E3F-91E9-5288791F05FD}" presName="node" presStyleLbl="node1" presStyleIdx="0" presStyleCnt="8">
         <dgm:presLayoutVars>
           <dgm:bulletEnabled val="1"/>
         </dgm:presLayoutVars>
@@ -4090,15 +3975,15 @@
       <dgm:spPr/>
     </dgm:pt>
     <dgm:pt modelId="{22C4F388-5E36-4BD9-845A-77086FC40EC3}" type="pres">
-      <dgm:prSet presAssocID="{43D71E11-A488-48F3-A6CD-F8EC1A3DFC1E}" presName="sibTrans" presStyleLbl="sibTrans2D1" presStyleIdx="0" presStyleCnt="10"/>
+      <dgm:prSet presAssocID="{43D71E11-A488-48F3-A6CD-F8EC1A3DFC1E}" presName="sibTrans" presStyleLbl="sibTrans2D1" presStyleIdx="0" presStyleCnt="7"/>
       <dgm:spPr/>
     </dgm:pt>
     <dgm:pt modelId="{40D23829-F4A2-4778-AF24-D523BA193CCC}" type="pres">
-      <dgm:prSet presAssocID="{43D71E11-A488-48F3-A6CD-F8EC1A3DFC1E}" presName="connectorText" presStyleLbl="sibTrans2D1" presStyleIdx="0" presStyleCnt="10"/>
+      <dgm:prSet presAssocID="{43D71E11-A488-48F3-A6CD-F8EC1A3DFC1E}" presName="connectorText" presStyleLbl="sibTrans2D1" presStyleIdx="0" presStyleCnt="7"/>
       <dgm:spPr/>
     </dgm:pt>
     <dgm:pt modelId="{074EBAD3-6660-421B-B925-508515E6D400}" type="pres">
-      <dgm:prSet presAssocID="{22E182C8-5712-431F-B6AA-116A4FBE6FCA}" presName="node" presStyleLbl="node1" presStyleIdx="1" presStyleCnt="11">
+      <dgm:prSet presAssocID="{22E182C8-5712-431F-B6AA-116A4FBE6FCA}" presName="node" presStyleLbl="node1" presStyleIdx="1" presStyleCnt="8">
         <dgm:presLayoutVars>
           <dgm:bulletEnabled val="1"/>
         </dgm:presLayoutVars>
@@ -4106,15 +3991,15 @@
       <dgm:spPr/>
     </dgm:pt>
     <dgm:pt modelId="{25F05748-A2BE-4145-A131-D1A2BD9B21DD}" type="pres">
-      <dgm:prSet presAssocID="{F25DAA58-A820-4D2A-9571-7119C5855500}" presName="sibTrans" presStyleLbl="sibTrans2D1" presStyleIdx="1" presStyleCnt="10"/>
+      <dgm:prSet presAssocID="{F25DAA58-A820-4D2A-9571-7119C5855500}" presName="sibTrans" presStyleLbl="sibTrans2D1" presStyleIdx="1" presStyleCnt="7"/>
       <dgm:spPr/>
     </dgm:pt>
     <dgm:pt modelId="{BCC787C0-AFF6-44CE-800D-9EF0541BE509}" type="pres">
-      <dgm:prSet presAssocID="{F25DAA58-A820-4D2A-9571-7119C5855500}" presName="connectorText" presStyleLbl="sibTrans2D1" presStyleIdx="1" presStyleCnt="10"/>
+      <dgm:prSet presAssocID="{F25DAA58-A820-4D2A-9571-7119C5855500}" presName="connectorText" presStyleLbl="sibTrans2D1" presStyleIdx="1" presStyleCnt="7"/>
       <dgm:spPr/>
     </dgm:pt>
     <dgm:pt modelId="{61B95B01-686E-470B-84C2-63BABFB6A4AE}" type="pres">
-      <dgm:prSet presAssocID="{3EE1D73B-9ED7-4012-97AE-A87FF80F56DA}" presName="node" presStyleLbl="node1" presStyleIdx="2" presStyleCnt="11">
+      <dgm:prSet presAssocID="{3EE1D73B-9ED7-4012-97AE-A87FF80F56DA}" presName="node" presStyleLbl="node1" presStyleIdx="2" presStyleCnt="8">
         <dgm:presLayoutVars>
           <dgm:bulletEnabled val="1"/>
         </dgm:presLayoutVars>
@@ -4122,31 +4007,15 @@
       <dgm:spPr/>
     </dgm:pt>
     <dgm:pt modelId="{C07AFB13-2184-4548-A18F-86C4554EE868}" type="pres">
-      <dgm:prSet presAssocID="{41F2CD80-1750-45B9-811C-96E06D0FF866}" presName="sibTrans" presStyleLbl="sibTrans2D1" presStyleIdx="2" presStyleCnt="10"/>
+      <dgm:prSet presAssocID="{41F2CD80-1750-45B9-811C-96E06D0FF866}" presName="sibTrans" presStyleLbl="sibTrans2D1" presStyleIdx="2" presStyleCnt="7"/>
       <dgm:spPr/>
     </dgm:pt>
     <dgm:pt modelId="{517FA9AC-52E8-4186-B3A0-CCACEDF33DE9}" type="pres">
-      <dgm:prSet presAssocID="{41F2CD80-1750-45B9-811C-96E06D0FF866}" presName="connectorText" presStyleLbl="sibTrans2D1" presStyleIdx="2" presStyleCnt="10"/>
-      <dgm:spPr/>
-    </dgm:pt>
-    <dgm:pt modelId="{682A83FF-C443-4B38-A7BC-4411E4B1FCC4}" type="pres">
-      <dgm:prSet presAssocID="{73C09A3F-FE34-4151-95E7-3546BE196EA3}" presName="node" presStyleLbl="node1" presStyleIdx="3" presStyleCnt="11">
-        <dgm:presLayoutVars>
-          <dgm:bulletEnabled val="1"/>
-        </dgm:presLayoutVars>
-      </dgm:prSet>
-      <dgm:spPr/>
-    </dgm:pt>
-    <dgm:pt modelId="{232B7AB2-0189-4A7E-AC5A-90D0C3EACC41}" type="pres">
-      <dgm:prSet presAssocID="{B91CDFB2-97A0-4AC6-B5DA-155C851B42CD}" presName="sibTrans" presStyleLbl="sibTrans2D1" presStyleIdx="3" presStyleCnt="10"/>
-      <dgm:spPr/>
-    </dgm:pt>
-    <dgm:pt modelId="{26FAFF8A-09DF-4EF1-A402-8EBA1DDEC59D}" type="pres">
-      <dgm:prSet presAssocID="{B91CDFB2-97A0-4AC6-B5DA-155C851B42CD}" presName="connectorText" presStyleLbl="sibTrans2D1" presStyleIdx="3" presStyleCnt="10"/>
+      <dgm:prSet presAssocID="{41F2CD80-1750-45B9-811C-96E06D0FF866}" presName="connectorText" presStyleLbl="sibTrans2D1" presStyleIdx="2" presStyleCnt="7"/>
       <dgm:spPr/>
     </dgm:pt>
     <dgm:pt modelId="{F3614164-78C4-4276-B944-81CF58F9A001}" type="pres">
-      <dgm:prSet presAssocID="{2C8E2F15-8CB8-4746-9322-EFC57ED4D12C}" presName="node" presStyleLbl="node1" presStyleIdx="4" presStyleCnt="11">
+      <dgm:prSet presAssocID="{2C8E2F15-8CB8-4746-9322-EFC57ED4D12C}" presName="node" presStyleLbl="node1" presStyleIdx="3" presStyleCnt="8">
         <dgm:presLayoutVars>
           <dgm:bulletEnabled val="1"/>
         </dgm:presLayoutVars>
@@ -4154,47 +4023,15 @@
       <dgm:spPr/>
     </dgm:pt>
     <dgm:pt modelId="{6DA50377-D9CF-455F-A7B2-41F3466DDF59}" type="pres">
-      <dgm:prSet presAssocID="{792AC601-7B66-49A4-8603-4C50BB1BE76E}" presName="sibTrans" presStyleLbl="sibTrans2D1" presStyleIdx="4" presStyleCnt="10"/>
+      <dgm:prSet presAssocID="{792AC601-7B66-49A4-8603-4C50BB1BE76E}" presName="sibTrans" presStyleLbl="sibTrans2D1" presStyleIdx="3" presStyleCnt="7"/>
       <dgm:spPr/>
     </dgm:pt>
     <dgm:pt modelId="{153AABF9-FBED-4F5E-B9A2-267DF0E2A55F}" type="pres">
-      <dgm:prSet presAssocID="{792AC601-7B66-49A4-8603-4C50BB1BE76E}" presName="connectorText" presStyleLbl="sibTrans2D1" presStyleIdx="4" presStyleCnt="10"/>
-      <dgm:spPr/>
-    </dgm:pt>
-    <dgm:pt modelId="{4D28C219-44E7-4206-8D05-31D35D4EED5F}" type="pres">
-      <dgm:prSet presAssocID="{77C26C9A-D4C3-4906-A8C5-0B4C0943E272}" presName="node" presStyleLbl="node1" presStyleIdx="5" presStyleCnt="11">
-        <dgm:presLayoutVars>
-          <dgm:bulletEnabled val="1"/>
-        </dgm:presLayoutVars>
-      </dgm:prSet>
-      <dgm:spPr/>
-    </dgm:pt>
-    <dgm:pt modelId="{FC49B44E-47C9-4A13-8096-8B326E670D78}" type="pres">
-      <dgm:prSet presAssocID="{D100C758-3B31-445B-B471-A7B58E42E895}" presName="sibTrans" presStyleLbl="sibTrans2D1" presStyleIdx="5" presStyleCnt="10"/>
-      <dgm:spPr/>
-    </dgm:pt>
-    <dgm:pt modelId="{9967D598-F46D-4471-902E-41AF965B657C}" type="pres">
-      <dgm:prSet presAssocID="{D100C758-3B31-445B-B471-A7B58E42E895}" presName="connectorText" presStyleLbl="sibTrans2D1" presStyleIdx="5" presStyleCnt="10"/>
-      <dgm:spPr/>
-    </dgm:pt>
-    <dgm:pt modelId="{831D659F-9C8E-4AC8-9BC8-44DDDEE89AAA}" type="pres">
-      <dgm:prSet presAssocID="{167D5308-82A0-4286-AF2F-6C2E90149D17}" presName="node" presStyleLbl="node1" presStyleIdx="6" presStyleCnt="11">
-        <dgm:presLayoutVars>
-          <dgm:bulletEnabled val="1"/>
-        </dgm:presLayoutVars>
-      </dgm:prSet>
-      <dgm:spPr/>
-    </dgm:pt>
-    <dgm:pt modelId="{002E9883-20D0-4C58-AC21-3578C1866496}" type="pres">
-      <dgm:prSet presAssocID="{0DE2A252-04F2-42C0-AC75-591B0BAE16E5}" presName="sibTrans" presStyleLbl="sibTrans2D1" presStyleIdx="6" presStyleCnt="10"/>
-      <dgm:spPr/>
-    </dgm:pt>
-    <dgm:pt modelId="{6684EDEB-F192-483D-A4F1-CA118AA09293}" type="pres">
-      <dgm:prSet presAssocID="{0DE2A252-04F2-42C0-AC75-591B0BAE16E5}" presName="connectorText" presStyleLbl="sibTrans2D1" presStyleIdx="6" presStyleCnt="10"/>
+      <dgm:prSet presAssocID="{792AC601-7B66-49A4-8603-4C50BB1BE76E}" presName="connectorText" presStyleLbl="sibTrans2D1" presStyleIdx="3" presStyleCnt="7"/>
       <dgm:spPr/>
     </dgm:pt>
     <dgm:pt modelId="{362E84BA-7F08-47C5-9B06-0195642B501D}" type="pres">
-      <dgm:prSet presAssocID="{AC2527AF-E452-4B4E-A12E-4ED2968A61E2}" presName="node" presStyleLbl="node1" presStyleIdx="7" presStyleCnt="11">
+      <dgm:prSet presAssocID="{AC2527AF-E452-4B4E-A12E-4ED2968A61E2}" presName="node" presStyleLbl="node1" presStyleIdx="4" presStyleCnt="8">
         <dgm:presLayoutVars>
           <dgm:bulletEnabled val="1"/>
         </dgm:presLayoutVars>
@@ -4202,15 +4039,15 @@
       <dgm:spPr/>
     </dgm:pt>
     <dgm:pt modelId="{004C6381-B36B-4488-822B-5295BA512997}" type="pres">
-      <dgm:prSet presAssocID="{F63E01EC-473A-4D67-BBD7-3BECB5D30878}" presName="sibTrans" presStyleLbl="sibTrans2D1" presStyleIdx="7" presStyleCnt="10"/>
+      <dgm:prSet presAssocID="{F63E01EC-473A-4D67-BBD7-3BECB5D30878}" presName="sibTrans" presStyleLbl="sibTrans2D1" presStyleIdx="4" presStyleCnt="7"/>
       <dgm:spPr/>
     </dgm:pt>
     <dgm:pt modelId="{F5C6AE7A-F428-4B08-92BE-1FA987B27B71}" type="pres">
-      <dgm:prSet presAssocID="{F63E01EC-473A-4D67-BBD7-3BECB5D30878}" presName="connectorText" presStyleLbl="sibTrans2D1" presStyleIdx="7" presStyleCnt="10"/>
+      <dgm:prSet presAssocID="{F63E01EC-473A-4D67-BBD7-3BECB5D30878}" presName="connectorText" presStyleLbl="sibTrans2D1" presStyleIdx="4" presStyleCnt="7"/>
       <dgm:spPr/>
     </dgm:pt>
     <dgm:pt modelId="{F454DD15-7DFA-4DB1-A336-5E6C7E675C6B}" type="pres">
-      <dgm:prSet presAssocID="{BFC9821A-B843-4193-8881-B53556E7F4BA}" presName="node" presStyleLbl="node1" presStyleIdx="8" presStyleCnt="11">
+      <dgm:prSet presAssocID="{BFC9821A-B843-4193-8881-B53556E7F4BA}" presName="node" presStyleLbl="node1" presStyleIdx="5" presStyleCnt="8">
         <dgm:presLayoutVars>
           <dgm:bulletEnabled val="1"/>
         </dgm:presLayoutVars>
@@ -4218,15 +4055,15 @@
       <dgm:spPr/>
     </dgm:pt>
     <dgm:pt modelId="{BEB4B802-CDDB-44D3-A769-87A27F61CA5F}" type="pres">
-      <dgm:prSet presAssocID="{C07F3122-AE44-4047-9785-C2E64F4D2A68}" presName="sibTrans" presStyleLbl="sibTrans2D1" presStyleIdx="8" presStyleCnt="10"/>
+      <dgm:prSet presAssocID="{C07F3122-AE44-4047-9785-C2E64F4D2A68}" presName="sibTrans" presStyleLbl="sibTrans2D1" presStyleIdx="5" presStyleCnt="7"/>
       <dgm:spPr/>
     </dgm:pt>
     <dgm:pt modelId="{4D4D1519-BEAA-4933-9F0C-0651255CCC6F}" type="pres">
-      <dgm:prSet presAssocID="{C07F3122-AE44-4047-9785-C2E64F4D2A68}" presName="connectorText" presStyleLbl="sibTrans2D1" presStyleIdx="8" presStyleCnt="10"/>
+      <dgm:prSet presAssocID="{C07F3122-AE44-4047-9785-C2E64F4D2A68}" presName="connectorText" presStyleLbl="sibTrans2D1" presStyleIdx="5" presStyleCnt="7"/>
       <dgm:spPr/>
     </dgm:pt>
     <dgm:pt modelId="{2C65C846-1A71-4B98-88AF-3F9BADE10886}" type="pres">
-      <dgm:prSet presAssocID="{E0C2E7B5-5FE2-4EAD-AD9E-EA134A406AC4}" presName="node" presStyleLbl="node1" presStyleIdx="9" presStyleCnt="11">
+      <dgm:prSet presAssocID="{E0C2E7B5-5FE2-4EAD-AD9E-EA134A406AC4}" presName="node" presStyleLbl="node1" presStyleIdx="6" presStyleCnt="8">
         <dgm:presLayoutVars>
           <dgm:bulletEnabled val="1"/>
         </dgm:presLayoutVars>
@@ -4234,15 +4071,15 @@
       <dgm:spPr/>
     </dgm:pt>
     <dgm:pt modelId="{0BC9BC09-40B7-436C-9F6B-A6E134B42454}" type="pres">
-      <dgm:prSet presAssocID="{48AC8388-D386-4625-81EB-6978FA2CECE7}" presName="sibTrans" presStyleLbl="sibTrans2D1" presStyleIdx="9" presStyleCnt="10"/>
+      <dgm:prSet presAssocID="{48AC8388-D386-4625-81EB-6978FA2CECE7}" presName="sibTrans" presStyleLbl="sibTrans2D1" presStyleIdx="6" presStyleCnt="7"/>
       <dgm:spPr/>
     </dgm:pt>
     <dgm:pt modelId="{64D5500D-3C59-4FA9-95CC-B944511CB03A}" type="pres">
-      <dgm:prSet presAssocID="{48AC8388-D386-4625-81EB-6978FA2CECE7}" presName="connectorText" presStyleLbl="sibTrans2D1" presStyleIdx="9" presStyleCnt="10"/>
+      <dgm:prSet presAssocID="{48AC8388-D386-4625-81EB-6978FA2CECE7}" presName="connectorText" presStyleLbl="sibTrans2D1" presStyleIdx="6" presStyleCnt="7"/>
       <dgm:spPr/>
     </dgm:pt>
     <dgm:pt modelId="{954DC646-88E2-480E-B259-6DA162E72D57}" type="pres">
-      <dgm:prSet presAssocID="{581E96BC-B0B4-47CF-9721-46EEC4E5D054}" presName="node" presStyleLbl="node1" presStyleIdx="10" presStyleCnt="11">
+      <dgm:prSet presAssocID="{581E96BC-B0B4-47CF-9721-46EEC4E5D054}" presName="node" presStyleLbl="node1" presStyleIdx="7" presStyleCnt="8">
         <dgm:presLayoutVars>
           <dgm:bulletEnabled val="1"/>
         </dgm:presLayoutVars>
@@ -4252,48 +4089,36 @@
   </dgm:ptLst>
   <dgm:cxnLst>
     <dgm:cxn modelId="{B32B3B01-892D-4A94-B436-991F7557EC5F}" type="presOf" srcId="{BFC9821A-B843-4193-8881-B53556E7F4BA}" destId="{F454DD15-7DFA-4DB1-A336-5E6C7E675C6B}" srcOrd="0" destOrd="0" presId="urn:microsoft.com/office/officeart/2005/8/layout/process5"/>
-    <dgm:cxn modelId="{17D3B204-865E-4B55-8840-15ACD7CBC982}" type="presOf" srcId="{B91CDFB2-97A0-4AC6-B5DA-155C851B42CD}" destId="{26FAFF8A-09DF-4EF1-A402-8EBA1DDEC59D}" srcOrd="1" destOrd="0" presId="urn:microsoft.com/office/officeart/2005/8/layout/process5"/>
     <dgm:cxn modelId="{D5EDCC06-B48D-4F26-84E8-F554437249F1}" type="presOf" srcId="{3EE1D73B-9ED7-4012-97AE-A87FF80F56DA}" destId="{61B95B01-686E-470B-84C2-63BABFB6A4AE}" srcOrd="0" destOrd="0" presId="urn:microsoft.com/office/officeart/2005/8/layout/process5"/>
     <dgm:cxn modelId="{23BDA616-B6FE-47B0-85DC-B2053F0838EB}" type="presOf" srcId="{F63E01EC-473A-4D67-BBD7-3BECB5D30878}" destId="{004C6381-B36B-4488-822B-5295BA512997}" srcOrd="0" destOrd="0" presId="urn:microsoft.com/office/officeart/2005/8/layout/process5"/>
     <dgm:cxn modelId="{AD366C25-837B-42A7-BC0D-F1A46BE93441}" type="presOf" srcId="{792AC601-7B66-49A4-8603-4C50BB1BE76E}" destId="{153AABF9-FBED-4F5E-B9A2-267DF0E2A55F}" srcOrd="1" destOrd="0" presId="urn:microsoft.com/office/officeart/2005/8/layout/process5"/>
-    <dgm:cxn modelId="{58F29925-3387-40E1-BE5C-0C4B87F104D3}" srcId="{08E64F22-1F5D-4B8E-925D-3864077EAD21}" destId="{E0C2E7B5-5FE2-4EAD-AD9E-EA134A406AC4}" srcOrd="9" destOrd="0" parTransId="{6F585717-39DF-4CC4-BD8E-1CF57464865B}" sibTransId="{48AC8388-D386-4625-81EB-6978FA2CECE7}"/>
+    <dgm:cxn modelId="{58F29925-3387-40E1-BE5C-0C4B87F104D3}" srcId="{08E64F22-1F5D-4B8E-925D-3864077EAD21}" destId="{E0C2E7B5-5FE2-4EAD-AD9E-EA134A406AC4}" srcOrd="6" destOrd="0" parTransId="{6F585717-39DF-4CC4-BD8E-1CF57464865B}" sibTransId="{48AC8388-D386-4625-81EB-6978FA2CECE7}"/>
     <dgm:cxn modelId="{10CE0235-21C4-4537-9829-E3E27BA14E37}" type="presOf" srcId="{41F2CD80-1750-45B9-811C-96E06D0FF866}" destId="{517FA9AC-52E8-4186-B3A0-CCACEDF33DE9}" srcOrd="1" destOrd="0" presId="urn:microsoft.com/office/officeart/2005/8/layout/process5"/>
     <dgm:cxn modelId="{9713513A-9213-41BF-94F9-2F4004A9E229}" type="presOf" srcId="{E4AE3B14-AFB8-4E3F-91E9-5288791F05FD}" destId="{1F947746-CCBC-4CAA-9D19-028254F2891E}" srcOrd="0" destOrd="0" presId="urn:microsoft.com/office/officeart/2005/8/layout/process5"/>
     <dgm:cxn modelId="{E70FA03A-5E8B-497D-A7E2-5842127E0951}" type="presOf" srcId="{41F2CD80-1750-45B9-811C-96E06D0FF866}" destId="{C07AFB13-2184-4548-A18F-86C4554EE868}" srcOrd="0" destOrd="0" presId="urn:microsoft.com/office/officeart/2005/8/layout/process5"/>
-    <dgm:cxn modelId="{269B1F3B-D990-426E-B848-577CC380E0EE}" type="presOf" srcId="{73C09A3F-FE34-4151-95E7-3546BE196EA3}" destId="{682A83FF-C443-4B38-A7BC-4411E4B1FCC4}" srcOrd="0" destOrd="0" presId="urn:microsoft.com/office/officeart/2005/8/layout/process5"/>
-    <dgm:cxn modelId="{02110E3C-BABE-4122-90E4-5C121171016F}" srcId="{08E64F22-1F5D-4B8E-925D-3864077EAD21}" destId="{AC2527AF-E452-4B4E-A12E-4ED2968A61E2}" srcOrd="7" destOrd="0" parTransId="{B047103E-382B-4D0A-B9EF-024FA476ADE4}" sibTransId="{F63E01EC-473A-4D67-BBD7-3BECB5D30878}"/>
+    <dgm:cxn modelId="{02110E3C-BABE-4122-90E4-5C121171016F}" srcId="{08E64F22-1F5D-4B8E-925D-3864077EAD21}" destId="{AC2527AF-E452-4B4E-A12E-4ED2968A61E2}" srcOrd="4" destOrd="0" parTransId="{B047103E-382B-4D0A-B9EF-024FA476ADE4}" sibTransId="{F63E01EC-473A-4D67-BBD7-3BECB5D30878}"/>
     <dgm:cxn modelId="{BF98AF5C-ECB0-436F-83F9-4034097A5A8F}" type="presOf" srcId="{48AC8388-D386-4625-81EB-6978FA2CECE7}" destId="{64D5500D-3C59-4FA9-95CC-B944511CB03A}" srcOrd="1" destOrd="0" presId="urn:microsoft.com/office/officeart/2005/8/layout/process5"/>
     <dgm:cxn modelId="{74E21D63-7B14-4A7C-AC6B-DF0B9FF65D07}" type="presOf" srcId="{48AC8388-D386-4625-81EB-6978FA2CECE7}" destId="{0BC9BC09-40B7-436C-9F6B-A6E134B42454}" srcOrd="0" destOrd="0" presId="urn:microsoft.com/office/officeart/2005/8/layout/process5"/>
-    <dgm:cxn modelId="{E85ADC68-49D1-49F2-B71C-CBF56156AC7A}" type="presOf" srcId="{D100C758-3B31-445B-B471-A7B58E42E895}" destId="{FC49B44E-47C9-4A13-8096-8B326E670D78}" srcOrd="0" destOrd="0" presId="urn:microsoft.com/office/officeart/2005/8/layout/process5"/>
     <dgm:cxn modelId="{CC76E74A-84D6-4BB0-BEF8-130ED7866328}" type="presOf" srcId="{22E182C8-5712-431F-B6AA-116A4FBE6FCA}" destId="{074EBAD3-6660-421B-B925-508515E6D400}" srcOrd="0" destOrd="0" presId="urn:microsoft.com/office/officeart/2005/8/layout/process5"/>
     <dgm:cxn modelId="{7BD54D4C-623A-4209-9AE1-1545DED4C139}" type="presOf" srcId="{F63E01EC-473A-4D67-BBD7-3BECB5D30878}" destId="{F5C6AE7A-F428-4B08-92BE-1FA987B27B71}" srcOrd="1" destOrd="0" presId="urn:microsoft.com/office/officeart/2005/8/layout/process5"/>
     <dgm:cxn modelId="{C9C03873-B9BC-458A-ADA2-E89568C7E36D}" type="presOf" srcId="{43D71E11-A488-48F3-A6CD-F8EC1A3DFC1E}" destId="{40D23829-F4A2-4778-AF24-D523BA193CCC}" srcOrd="1" destOrd="0" presId="urn:microsoft.com/office/officeart/2005/8/layout/process5"/>
     <dgm:cxn modelId="{95B59275-DAEA-43D9-8E9C-9E29ADC35BCB}" type="presOf" srcId="{C07F3122-AE44-4047-9785-C2E64F4D2A68}" destId="{4D4D1519-BEAA-4933-9F0C-0651255CCC6F}" srcOrd="1" destOrd="0" presId="urn:microsoft.com/office/officeart/2005/8/layout/process5"/>
     <dgm:cxn modelId="{99313C76-7987-4044-8014-27820EBC63C9}" type="presOf" srcId="{43D71E11-A488-48F3-A6CD-F8EC1A3DFC1E}" destId="{22C4F388-5E36-4BD9-845A-77086FC40EC3}" srcOrd="0" destOrd="0" presId="urn:microsoft.com/office/officeart/2005/8/layout/process5"/>
-    <dgm:cxn modelId="{B0AA4A78-8706-4A58-BCC5-A335089B057D}" srcId="{08E64F22-1F5D-4B8E-925D-3864077EAD21}" destId="{77C26C9A-D4C3-4906-A8C5-0B4C0943E272}" srcOrd="5" destOrd="0" parTransId="{43CEFDCB-6FC1-4433-B399-C23FEE5D7C2C}" sibTransId="{D100C758-3B31-445B-B471-A7B58E42E895}"/>
     <dgm:cxn modelId="{1E6A4086-6B7B-4EF1-8AC9-5E7E63E76772}" type="presOf" srcId="{792AC601-7B66-49A4-8603-4C50BB1BE76E}" destId="{6DA50377-D9CF-455F-A7B2-41F3466DDF59}" srcOrd="0" destOrd="0" presId="urn:microsoft.com/office/officeart/2005/8/layout/process5"/>
     <dgm:cxn modelId="{83E50394-960B-4DF1-9167-BA92E8126447}" type="presOf" srcId="{2C8E2F15-8CB8-4746-9322-EFC57ED4D12C}" destId="{F3614164-78C4-4276-B944-81CF58F9A001}" srcOrd="0" destOrd="0" presId="urn:microsoft.com/office/officeart/2005/8/layout/process5"/>
-    <dgm:cxn modelId="{51AE8F96-4C08-4AD7-971A-2FB61F78D00C}" type="presOf" srcId="{77C26C9A-D4C3-4906-A8C5-0B4C0943E272}" destId="{4D28C219-44E7-4206-8D05-31D35D4EED5F}" srcOrd="0" destOrd="0" presId="urn:microsoft.com/office/officeart/2005/8/layout/process5"/>
     <dgm:cxn modelId="{F0CF3198-2B7F-4E02-9C45-FDDEFA054792}" type="presOf" srcId="{08E64F22-1F5D-4B8E-925D-3864077EAD21}" destId="{084E3DC6-749B-4723-8EEF-8FA0213D57E0}" srcOrd="0" destOrd="0" presId="urn:microsoft.com/office/officeart/2005/8/layout/process5"/>
-    <dgm:cxn modelId="{5E406D9B-CBDE-4A5B-B7C8-AAC8FA2EA10D}" type="presOf" srcId="{D100C758-3B31-445B-B471-A7B58E42E895}" destId="{9967D598-F46D-4471-902E-41AF965B657C}" srcOrd="1" destOrd="0" presId="urn:microsoft.com/office/officeart/2005/8/layout/process5"/>
-    <dgm:cxn modelId="{E88E22A1-69BE-41B6-8839-617CA95A1F39}" type="presOf" srcId="{167D5308-82A0-4286-AF2F-6C2E90149D17}" destId="{831D659F-9C8E-4AC8-9BC8-44DDDEE89AAA}" srcOrd="0" destOrd="0" presId="urn:microsoft.com/office/officeart/2005/8/layout/process5"/>
-    <dgm:cxn modelId="{97F1DBA7-AB7E-42EC-864A-AB83B6221D45}" srcId="{08E64F22-1F5D-4B8E-925D-3864077EAD21}" destId="{167D5308-82A0-4286-AF2F-6C2E90149D17}" srcOrd="6" destOrd="0" parTransId="{6EEF650D-8066-4D07-8370-27B30796EE5A}" sibTransId="{0DE2A252-04F2-42C0-AC75-591B0BAE16E5}"/>
     <dgm:cxn modelId="{B482AFAF-98A0-4E19-90F2-DC8831B53610}" type="presOf" srcId="{F25DAA58-A820-4D2A-9571-7119C5855500}" destId="{BCC787C0-AFF6-44CE-800D-9EF0541BE509}" srcOrd="1" destOrd="0" presId="urn:microsoft.com/office/officeart/2005/8/layout/process5"/>
     <dgm:cxn modelId="{CCC2B5B2-E210-4477-A6C0-099F264A3D2E}" srcId="{08E64F22-1F5D-4B8E-925D-3864077EAD21}" destId="{E4AE3B14-AFB8-4E3F-91E9-5288791F05FD}" srcOrd="0" destOrd="0" parTransId="{69E095F5-49B6-4357-839B-7A06F03A9BD5}" sibTransId="{43D71E11-A488-48F3-A6CD-F8EC1A3DFC1E}"/>
     <dgm:cxn modelId="{232B19B7-BBBA-480E-9E47-D94AD3DD3E83}" type="presOf" srcId="{F25DAA58-A820-4D2A-9571-7119C5855500}" destId="{25F05748-A2BE-4145-A131-D1A2BD9B21DD}" srcOrd="0" destOrd="0" presId="urn:microsoft.com/office/officeart/2005/8/layout/process5"/>
     <dgm:cxn modelId="{213B49C3-4B49-45CC-A3FE-42A9FE322C89}" srcId="{08E64F22-1F5D-4B8E-925D-3864077EAD21}" destId="{22E182C8-5712-431F-B6AA-116A4FBE6FCA}" srcOrd="1" destOrd="0" parTransId="{EF6DD839-4BD7-426F-88C2-D426BEDDA470}" sibTransId="{F25DAA58-A820-4D2A-9571-7119C5855500}"/>
-    <dgm:cxn modelId="{1A13A4CC-5FC4-4BD7-A509-8DB4541FC409}" type="presOf" srcId="{0DE2A252-04F2-42C0-AC75-591B0BAE16E5}" destId="{002E9883-20D0-4C58-AC21-3578C1866496}" srcOrd="0" destOrd="0" presId="urn:microsoft.com/office/officeart/2005/8/layout/process5"/>
-    <dgm:cxn modelId="{69F119D0-17F8-4F0D-BFCA-263807676543}" type="presOf" srcId="{0DE2A252-04F2-42C0-AC75-591B0BAE16E5}" destId="{6684EDEB-F192-483D-A4F1-CA118AA09293}" srcOrd="1" destOrd="0" presId="urn:microsoft.com/office/officeart/2005/8/layout/process5"/>
     <dgm:cxn modelId="{EBD71BD9-DF6A-478E-8662-726653005499}" type="presOf" srcId="{C07F3122-AE44-4047-9785-C2E64F4D2A68}" destId="{BEB4B802-CDDB-44D3-A769-87A27F61CA5F}" srcOrd="0" destOrd="0" presId="urn:microsoft.com/office/officeart/2005/8/layout/process5"/>
     <dgm:cxn modelId="{EEC808DB-53FA-4AD2-80BD-02CD30953500}" srcId="{08E64F22-1F5D-4B8E-925D-3864077EAD21}" destId="{3EE1D73B-9ED7-4012-97AE-A87FF80F56DA}" srcOrd="2" destOrd="0" parTransId="{4BA34CB8-172D-486E-9198-008F5CDA2D61}" sibTransId="{41F2CD80-1750-45B9-811C-96E06D0FF866}"/>
-    <dgm:cxn modelId="{F9EA4EDD-ED35-4E21-839A-F046346C4C53}" type="presOf" srcId="{B91CDFB2-97A0-4AC6-B5DA-155C851B42CD}" destId="{232B7AB2-0189-4A7E-AC5A-90D0C3EACC41}" srcOrd="0" destOrd="0" presId="urn:microsoft.com/office/officeart/2005/8/layout/process5"/>
     <dgm:cxn modelId="{A94CA4DD-962D-423A-A23F-CFE331532FD4}" type="presOf" srcId="{AC2527AF-E452-4B4E-A12E-4ED2968A61E2}" destId="{362E84BA-7F08-47C5-9B06-0195642B501D}" srcOrd="0" destOrd="0" presId="urn:microsoft.com/office/officeart/2005/8/layout/process5"/>
-    <dgm:cxn modelId="{56394DEA-8F35-40ED-A327-351C27185462}" srcId="{08E64F22-1F5D-4B8E-925D-3864077EAD21}" destId="{73C09A3F-FE34-4151-95E7-3546BE196EA3}" srcOrd="3" destOrd="0" parTransId="{14A286AD-4A22-4EDE-9603-2EF88A1EB98E}" sibTransId="{B91CDFB2-97A0-4AC6-B5DA-155C851B42CD}"/>
     <dgm:cxn modelId="{FF4394F1-5F91-469A-ABBA-D459873B2287}" type="presOf" srcId="{E0C2E7B5-5FE2-4EAD-AD9E-EA134A406AC4}" destId="{2C65C846-1A71-4B98-88AF-3F9BADE10886}" srcOrd="0" destOrd="0" presId="urn:microsoft.com/office/officeart/2005/8/layout/process5"/>
-    <dgm:cxn modelId="{EE93B5F2-4F1C-4A1E-8E40-312A68CD44CE}" srcId="{08E64F22-1F5D-4B8E-925D-3864077EAD21}" destId="{BFC9821A-B843-4193-8881-B53556E7F4BA}" srcOrd="8" destOrd="0" parTransId="{53FBB821-0C4E-4FD7-9572-E166D9F9329D}" sibTransId="{C07F3122-AE44-4047-9785-C2E64F4D2A68}"/>
-    <dgm:cxn modelId="{CD429BF8-CC64-4144-9C92-B245E0C98D43}" srcId="{08E64F22-1F5D-4B8E-925D-3864077EAD21}" destId="{2C8E2F15-8CB8-4746-9322-EFC57ED4D12C}" srcOrd="4" destOrd="0" parTransId="{4AE85946-6C8F-419B-8D7D-CAB3350B18B9}" sibTransId="{792AC601-7B66-49A4-8603-4C50BB1BE76E}"/>
+    <dgm:cxn modelId="{EE93B5F2-4F1C-4A1E-8E40-312A68CD44CE}" srcId="{08E64F22-1F5D-4B8E-925D-3864077EAD21}" destId="{BFC9821A-B843-4193-8881-B53556E7F4BA}" srcOrd="5" destOrd="0" parTransId="{53FBB821-0C4E-4FD7-9572-E166D9F9329D}" sibTransId="{C07F3122-AE44-4047-9785-C2E64F4D2A68}"/>
+    <dgm:cxn modelId="{CD429BF8-CC64-4144-9C92-B245E0C98D43}" srcId="{08E64F22-1F5D-4B8E-925D-3864077EAD21}" destId="{2C8E2F15-8CB8-4746-9322-EFC57ED4D12C}" srcOrd="3" destOrd="0" parTransId="{4AE85946-6C8F-419B-8D7D-CAB3350B18B9}" sibTransId="{792AC601-7B66-49A4-8603-4C50BB1BE76E}"/>
     <dgm:cxn modelId="{6B302DFC-8229-4DDA-AB71-F6EF3B98F14A}" type="presOf" srcId="{581E96BC-B0B4-47CF-9721-46EEC4E5D054}" destId="{954DC646-88E2-480E-B259-6DA162E72D57}" srcOrd="0" destOrd="0" presId="urn:microsoft.com/office/officeart/2005/8/layout/process5"/>
-    <dgm:cxn modelId="{042694FD-3746-4BF2-865C-E8D7FED86B1E}" srcId="{08E64F22-1F5D-4B8E-925D-3864077EAD21}" destId="{581E96BC-B0B4-47CF-9721-46EEC4E5D054}" srcOrd="10" destOrd="0" parTransId="{F006E7FD-86FF-49BB-BC7C-0A1FB5ABF63A}" sibTransId="{E36DCC1E-2149-487F-B93D-9FC378F9A1D8}"/>
+    <dgm:cxn modelId="{042694FD-3746-4BF2-865C-E8D7FED86B1E}" srcId="{08E64F22-1F5D-4B8E-925D-3864077EAD21}" destId="{581E96BC-B0B4-47CF-9721-46EEC4E5D054}" srcOrd="7" destOrd="0" parTransId="{F006E7FD-86FF-49BB-BC7C-0A1FB5ABF63A}" sibTransId="{E36DCC1E-2149-487F-B93D-9FC378F9A1D8}"/>
     <dgm:cxn modelId="{0DB81548-3F01-4D45-A784-12E10A3B377F}" type="presParOf" srcId="{084E3DC6-749B-4723-8EEF-8FA0213D57E0}" destId="{1F947746-CCBC-4CAA-9D19-028254F2891E}" srcOrd="0" destOrd="0" presId="urn:microsoft.com/office/officeart/2005/8/layout/process5"/>
     <dgm:cxn modelId="{F9757B0D-3163-47DB-8FBF-8DD2B9B0D70A}" type="presParOf" srcId="{084E3DC6-749B-4723-8EEF-8FA0213D57E0}" destId="{22C4F388-5E36-4BD9-845A-77086FC40EC3}" srcOrd="1" destOrd="0" presId="urn:microsoft.com/office/officeart/2005/8/layout/process5"/>
     <dgm:cxn modelId="{5BE59FA1-7DBF-435A-917E-3B6F3D3A3D81}" type="presParOf" srcId="{22C4F388-5E36-4BD9-845A-77086FC40EC3}" destId="{40D23829-F4A2-4778-AF24-D523BA193CCC}" srcOrd="0" destOrd="0" presId="urn:microsoft.com/office/officeart/2005/8/layout/process5"/>
@@ -4303,28 +4128,19 @@
     <dgm:cxn modelId="{86786E65-FFF9-4B35-B3B5-F3F3E6318F00}" type="presParOf" srcId="{084E3DC6-749B-4723-8EEF-8FA0213D57E0}" destId="{61B95B01-686E-470B-84C2-63BABFB6A4AE}" srcOrd="4" destOrd="0" presId="urn:microsoft.com/office/officeart/2005/8/layout/process5"/>
     <dgm:cxn modelId="{DDBD86A8-E147-4E2B-ABC2-B485A8C34384}" type="presParOf" srcId="{084E3DC6-749B-4723-8EEF-8FA0213D57E0}" destId="{C07AFB13-2184-4548-A18F-86C4554EE868}" srcOrd="5" destOrd="0" presId="urn:microsoft.com/office/officeart/2005/8/layout/process5"/>
     <dgm:cxn modelId="{94E6861F-13F6-4CE4-A5AE-7E4E1016F07C}" type="presParOf" srcId="{C07AFB13-2184-4548-A18F-86C4554EE868}" destId="{517FA9AC-52E8-4186-B3A0-CCACEDF33DE9}" srcOrd="0" destOrd="0" presId="urn:microsoft.com/office/officeart/2005/8/layout/process5"/>
-    <dgm:cxn modelId="{45EEBFB5-0C1C-4390-8A46-D28F0C6AB13A}" type="presParOf" srcId="{084E3DC6-749B-4723-8EEF-8FA0213D57E0}" destId="{682A83FF-C443-4B38-A7BC-4411E4B1FCC4}" srcOrd="6" destOrd="0" presId="urn:microsoft.com/office/officeart/2005/8/layout/process5"/>
-    <dgm:cxn modelId="{57B3C46A-91B7-493B-8C26-CB2D83ADE76B}" type="presParOf" srcId="{084E3DC6-749B-4723-8EEF-8FA0213D57E0}" destId="{232B7AB2-0189-4A7E-AC5A-90D0C3EACC41}" srcOrd="7" destOrd="0" presId="urn:microsoft.com/office/officeart/2005/8/layout/process5"/>
-    <dgm:cxn modelId="{6971CF5E-B211-4553-A6AF-29373DD6CE9E}" type="presParOf" srcId="{232B7AB2-0189-4A7E-AC5A-90D0C3EACC41}" destId="{26FAFF8A-09DF-4EF1-A402-8EBA1DDEC59D}" srcOrd="0" destOrd="0" presId="urn:microsoft.com/office/officeart/2005/8/layout/process5"/>
-    <dgm:cxn modelId="{63D58CAA-DB1D-4410-8460-4037DE9B45E0}" type="presParOf" srcId="{084E3DC6-749B-4723-8EEF-8FA0213D57E0}" destId="{F3614164-78C4-4276-B944-81CF58F9A001}" srcOrd="8" destOrd="0" presId="urn:microsoft.com/office/officeart/2005/8/layout/process5"/>
-    <dgm:cxn modelId="{B2FB3DA9-3E2D-4EAA-81AD-EC214D7E3136}" type="presParOf" srcId="{084E3DC6-749B-4723-8EEF-8FA0213D57E0}" destId="{6DA50377-D9CF-455F-A7B2-41F3466DDF59}" srcOrd="9" destOrd="0" presId="urn:microsoft.com/office/officeart/2005/8/layout/process5"/>
+    <dgm:cxn modelId="{63D58CAA-DB1D-4410-8460-4037DE9B45E0}" type="presParOf" srcId="{084E3DC6-749B-4723-8EEF-8FA0213D57E0}" destId="{F3614164-78C4-4276-B944-81CF58F9A001}" srcOrd="6" destOrd="0" presId="urn:microsoft.com/office/officeart/2005/8/layout/process5"/>
+    <dgm:cxn modelId="{B2FB3DA9-3E2D-4EAA-81AD-EC214D7E3136}" type="presParOf" srcId="{084E3DC6-749B-4723-8EEF-8FA0213D57E0}" destId="{6DA50377-D9CF-455F-A7B2-41F3466DDF59}" srcOrd="7" destOrd="0" presId="urn:microsoft.com/office/officeart/2005/8/layout/process5"/>
     <dgm:cxn modelId="{9281DD60-0D85-4F76-AA28-79F1E6474530}" type="presParOf" srcId="{6DA50377-D9CF-455F-A7B2-41F3466DDF59}" destId="{153AABF9-FBED-4F5E-B9A2-267DF0E2A55F}" srcOrd="0" destOrd="0" presId="urn:microsoft.com/office/officeart/2005/8/layout/process5"/>
-    <dgm:cxn modelId="{6E9B8303-5243-4FCE-AFF2-1BE198AEE181}" type="presParOf" srcId="{084E3DC6-749B-4723-8EEF-8FA0213D57E0}" destId="{4D28C219-44E7-4206-8D05-31D35D4EED5F}" srcOrd="10" destOrd="0" presId="urn:microsoft.com/office/officeart/2005/8/layout/process5"/>
-    <dgm:cxn modelId="{D9AF2793-F38E-4219-8EFD-52E1FC99A811}" type="presParOf" srcId="{084E3DC6-749B-4723-8EEF-8FA0213D57E0}" destId="{FC49B44E-47C9-4A13-8096-8B326E670D78}" srcOrd="11" destOrd="0" presId="urn:microsoft.com/office/officeart/2005/8/layout/process5"/>
-    <dgm:cxn modelId="{462684AE-E9DC-41E9-8597-99FED8539CDD}" type="presParOf" srcId="{FC49B44E-47C9-4A13-8096-8B326E670D78}" destId="{9967D598-F46D-4471-902E-41AF965B657C}" srcOrd="0" destOrd="0" presId="urn:microsoft.com/office/officeart/2005/8/layout/process5"/>
-    <dgm:cxn modelId="{1B80D2BA-7647-41B6-BE87-CB92598EA971}" type="presParOf" srcId="{084E3DC6-749B-4723-8EEF-8FA0213D57E0}" destId="{831D659F-9C8E-4AC8-9BC8-44DDDEE89AAA}" srcOrd="12" destOrd="0" presId="urn:microsoft.com/office/officeart/2005/8/layout/process5"/>
-    <dgm:cxn modelId="{C9902F85-1B17-4EBE-A613-0BD5E8D202C1}" type="presParOf" srcId="{084E3DC6-749B-4723-8EEF-8FA0213D57E0}" destId="{002E9883-20D0-4C58-AC21-3578C1866496}" srcOrd="13" destOrd="0" presId="urn:microsoft.com/office/officeart/2005/8/layout/process5"/>
-    <dgm:cxn modelId="{DF902349-8E90-4E5D-BDB9-394382E3C3F1}" type="presParOf" srcId="{002E9883-20D0-4C58-AC21-3578C1866496}" destId="{6684EDEB-F192-483D-A4F1-CA118AA09293}" srcOrd="0" destOrd="0" presId="urn:microsoft.com/office/officeart/2005/8/layout/process5"/>
-    <dgm:cxn modelId="{6233E152-D026-4C48-BB00-9DB7D2A9F85D}" type="presParOf" srcId="{084E3DC6-749B-4723-8EEF-8FA0213D57E0}" destId="{362E84BA-7F08-47C5-9B06-0195642B501D}" srcOrd="14" destOrd="0" presId="urn:microsoft.com/office/officeart/2005/8/layout/process5"/>
-    <dgm:cxn modelId="{D008539A-7F44-4CEB-97B6-46DC3B8C27A6}" type="presParOf" srcId="{084E3DC6-749B-4723-8EEF-8FA0213D57E0}" destId="{004C6381-B36B-4488-822B-5295BA512997}" srcOrd="15" destOrd="0" presId="urn:microsoft.com/office/officeart/2005/8/layout/process5"/>
+    <dgm:cxn modelId="{6233E152-D026-4C48-BB00-9DB7D2A9F85D}" type="presParOf" srcId="{084E3DC6-749B-4723-8EEF-8FA0213D57E0}" destId="{362E84BA-7F08-47C5-9B06-0195642B501D}" srcOrd="8" destOrd="0" presId="urn:microsoft.com/office/officeart/2005/8/layout/process5"/>
+    <dgm:cxn modelId="{D008539A-7F44-4CEB-97B6-46DC3B8C27A6}" type="presParOf" srcId="{084E3DC6-749B-4723-8EEF-8FA0213D57E0}" destId="{004C6381-B36B-4488-822B-5295BA512997}" srcOrd="9" destOrd="0" presId="urn:microsoft.com/office/officeart/2005/8/layout/process5"/>
     <dgm:cxn modelId="{A14CC48D-0D64-4AC5-9ADB-D65EC6504C4C}" type="presParOf" srcId="{004C6381-B36B-4488-822B-5295BA512997}" destId="{F5C6AE7A-F428-4B08-92BE-1FA987B27B71}" srcOrd="0" destOrd="0" presId="urn:microsoft.com/office/officeart/2005/8/layout/process5"/>
-    <dgm:cxn modelId="{4D591B68-4BAA-46A0-A71A-C9447A31E3B6}" type="presParOf" srcId="{084E3DC6-749B-4723-8EEF-8FA0213D57E0}" destId="{F454DD15-7DFA-4DB1-A336-5E6C7E675C6B}" srcOrd="16" destOrd="0" presId="urn:microsoft.com/office/officeart/2005/8/layout/process5"/>
-    <dgm:cxn modelId="{E5156311-B6C7-479C-A9E9-4604E078D70A}" type="presParOf" srcId="{084E3DC6-749B-4723-8EEF-8FA0213D57E0}" destId="{BEB4B802-CDDB-44D3-A769-87A27F61CA5F}" srcOrd="17" destOrd="0" presId="urn:microsoft.com/office/officeart/2005/8/layout/process5"/>
+    <dgm:cxn modelId="{4D591B68-4BAA-46A0-A71A-C9447A31E3B6}" type="presParOf" srcId="{084E3DC6-749B-4723-8EEF-8FA0213D57E0}" destId="{F454DD15-7DFA-4DB1-A336-5E6C7E675C6B}" srcOrd="10" destOrd="0" presId="urn:microsoft.com/office/officeart/2005/8/layout/process5"/>
+    <dgm:cxn modelId="{E5156311-B6C7-479C-A9E9-4604E078D70A}" type="presParOf" srcId="{084E3DC6-749B-4723-8EEF-8FA0213D57E0}" destId="{BEB4B802-CDDB-44D3-A769-87A27F61CA5F}" srcOrd="11" destOrd="0" presId="urn:microsoft.com/office/officeart/2005/8/layout/process5"/>
     <dgm:cxn modelId="{DD238888-1023-4364-BE21-2F05C02398C4}" type="presParOf" srcId="{BEB4B802-CDDB-44D3-A769-87A27F61CA5F}" destId="{4D4D1519-BEAA-4933-9F0C-0651255CCC6F}" srcOrd="0" destOrd="0" presId="urn:microsoft.com/office/officeart/2005/8/layout/process5"/>
-    <dgm:cxn modelId="{8DBA9064-728E-421B-A58F-4D4DAE20111F}" type="presParOf" srcId="{084E3DC6-749B-4723-8EEF-8FA0213D57E0}" destId="{2C65C846-1A71-4B98-88AF-3F9BADE10886}" srcOrd="18" destOrd="0" presId="urn:microsoft.com/office/officeart/2005/8/layout/process5"/>
-    <dgm:cxn modelId="{1908311B-43AB-4868-BBBC-9ACCDFDB80E0}" type="presParOf" srcId="{084E3DC6-749B-4723-8EEF-8FA0213D57E0}" destId="{0BC9BC09-40B7-436C-9F6B-A6E134B42454}" srcOrd="19" destOrd="0" presId="urn:microsoft.com/office/officeart/2005/8/layout/process5"/>
+    <dgm:cxn modelId="{8DBA9064-728E-421B-A58F-4D4DAE20111F}" type="presParOf" srcId="{084E3DC6-749B-4723-8EEF-8FA0213D57E0}" destId="{2C65C846-1A71-4B98-88AF-3F9BADE10886}" srcOrd="12" destOrd="0" presId="urn:microsoft.com/office/officeart/2005/8/layout/process5"/>
+    <dgm:cxn modelId="{1908311B-43AB-4868-BBBC-9ACCDFDB80E0}" type="presParOf" srcId="{084E3DC6-749B-4723-8EEF-8FA0213D57E0}" destId="{0BC9BC09-40B7-436C-9F6B-A6E134B42454}" srcOrd="13" destOrd="0" presId="urn:microsoft.com/office/officeart/2005/8/layout/process5"/>
     <dgm:cxn modelId="{39F1EFE6-5F22-446C-AECB-A83182FF5A65}" type="presParOf" srcId="{0BC9BC09-40B7-436C-9F6B-A6E134B42454}" destId="{64D5500D-3C59-4FA9-95CC-B944511CB03A}" srcOrd="0" destOrd="0" presId="urn:microsoft.com/office/officeart/2005/8/layout/process5"/>
-    <dgm:cxn modelId="{0F05DB16-F109-4BFA-94A4-1C3A5771B80D}" type="presParOf" srcId="{084E3DC6-749B-4723-8EEF-8FA0213D57E0}" destId="{954DC646-88E2-480E-B259-6DA162E72D57}" srcOrd="20" destOrd="0" presId="urn:microsoft.com/office/officeart/2005/8/layout/process5"/>
+    <dgm:cxn modelId="{0F05DB16-F109-4BFA-94A4-1C3A5771B80D}" type="presParOf" srcId="{084E3DC6-749B-4723-8EEF-8FA0213D57E0}" destId="{954DC646-88E2-480E-B259-6DA162E72D57}" srcOrd="14" destOrd="0" presId="urn:microsoft.com/office/officeart/2005/8/layout/process5"/>
   </dgm:cxnLst>
   <dgm:bg/>
   <dgm:whole/>
@@ -5772,8 +5588,8 @@
       </dsp:nvSpPr>
       <dsp:spPr>
         <a:xfrm>
-          <a:off x="764885" y="2149"/>
-          <a:ext cx="1708787" cy="1025272"/>
+          <a:off x="4577" y="622602"/>
+          <a:ext cx="2001213" cy="1200728"/>
         </a:xfrm>
         <a:prstGeom prst="roundRect">
           <a:avLst>
@@ -5811,13 +5627,13 @@
         </a:fontRef>
       </dsp:style>
       <dsp:txBody>
-        <a:bodyPr spcFirstLastPara="0" vert="horz" wrap="square" lIns="102870" tIns="102870" rIns="102870" bIns="102870" numCol="1" spcCol="1270" anchor="ctr" anchorCtr="0">
+        <a:bodyPr spcFirstLastPara="0" vert="horz" wrap="square" lIns="118110" tIns="118110" rIns="118110" bIns="118110" numCol="1" spcCol="1270" anchor="ctr" anchorCtr="0">
           <a:noAutofit/>
           <a:sp3d extrusionH="28000" prstMaterial="matte"/>
         </a:bodyPr>
         <a:lstStyle/>
         <a:p>
-          <a:pPr marL="0" lvl="0" indent="0" algn="ctr" defTabSz="1200150">
+          <a:pPr marL="0" lvl="0" indent="0" algn="ctr" defTabSz="1377950">
             <a:lnSpc>
               <a:spcPct val="90000"/>
             </a:lnSpc>
@@ -5830,14 +5646,14 @@
             <a:buNone/>
           </a:pPr>
           <a:r>
-            <a:rPr lang="en-US" sz="2700" kern="1200"/>
+            <a:rPr lang="en-US" sz="3100" kern="1200"/>
             <a:t>Features</a:t>
           </a:r>
         </a:p>
       </dsp:txBody>
       <dsp:txXfrm>
-        <a:off x="794914" y="32178"/>
-        <a:ext cx="1648729" cy="965214"/>
+        <a:off x="39745" y="657770"/>
+        <a:ext cx="1930877" cy="1130392"/>
       </dsp:txXfrm>
     </dsp:sp>
     <dsp:sp modelId="{22C4F388-5E36-4BD9-845A-77086FC40EC3}">
@@ -5847,8 +5663,8 @@
       </dsp:nvSpPr>
       <dsp:spPr>
         <a:xfrm>
-          <a:off x="2624046" y="302896"/>
-          <a:ext cx="362262" cy="423779"/>
+          <a:off x="2181897" y="974815"/>
+          <a:ext cx="424257" cy="496300"/>
         </a:xfrm>
         <a:prstGeom prst="rightArrow">
           <a:avLst>
@@ -5890,7 +5706,7 @@
         </a:bodyPr>
         <a:lstStyle/>
         <a:p>
-          <a:pPr marL="0" lvl="0" indent="0" algn="ctr" defTabSz="800100">
+          <a:pPr marL="0" lvl="0" indent="0" algn="ctr" defTabSz="933450">
             <a:lnSpc>
               <a:spcPct val="90000"/>
             </a:lnSpc>
@@ -5902,12 +5718,12 @@
             </a:spcAft>
             <a:buNone/>
           </a:pPr>
-          <a:endParaRPr lang="en-US" sz="1800" kern="1200"/>
+          <a:endParaRPr lang="en-US" sz="2100" kern="1200"/>
         </a:p>
       </dsp:txBody>
       <dsp:txXfrm>
-        <a:off x="2624046" y="387652"/>
-        <a:ext cx="253583" cy="254267"/>
+        <a:off x="2181897" y="1074075"/>
+        <a:ext cx="296980" cy="297780"/>
       </dsp:txXfrm>
     </dsp:sp>
     <dsp:sp modelId="{074EBAD3-6660-421B-B925-508515E6D400}">
@@ -5917,8 +5733,8 @@
       </dsp:nvSpPr>
       <dsp:spPr>
         <a:xfrm>
-          <a:off x="3157187" y="2149"/>
-          <a:ext cx="1708787" cy="1025272"/>
+          <a:off x="2806276" y="622602"/>
+          <a:ext cx="2001213" cy="1200728"/>
         </a:xfrm>
         <a:prstGeom prst="roundRect">
           <a:avLst>
@@ -5956,13 +5772,13 @@
         </a:fontRef>
       </dsp:style>
       <dsp:txBody>
-        <a:bodyPr spcFirstLastPara="0" vert="horz" wrap="square" lIns="102870" tIns="102870" rIns="102870" bIns="102870" numCol="1" spcCol="1270" anchor="ctr" anchorCtr="0">
+        <a:bodyPr spcFirstLastPara="0" vert="horz" wrap="square" lIns="118110" tIns="118110" rIns="118110" bIns="118110" numCol="1" spcCol="1270" anchor="ctr" anchorCtr="0">
           <a:noAutofit/>
           <a:sp3d extrusionH="28000" prstMaterial="matte"/>
         </a:bodyPr>
         <a:lstStyle/>
         <a:p>
-          <a:pPr marL="0" lvl="0" indent="0" algn="ctr" defTabSz="1200150">
+          <a:pPr marL="0" lvl="0" indent="0" algn="ctr" defTabSz="1377950">
             <a:lnSpc>
               <a:spcPct val="90000"/>
             </a:lnSpc>
@@ -5975,14 +5791,14 @@
             <a:buNone/>
           </a:pPr>
           <a:r>
-            <a:rPr lang="en-US" sz="2700" kern="1200" dirty="0"/>
+            <a:rPr lang="en-US" sz="3100" kern="1200" dirty="0"/>
             <a:t>Menu</a:t>
           </a:r>
         </a:p>
       </dsp:txBody>
       <dsp:txXfrm>
-        <a:off x="3187216" y="32178"/>
-        <a:ext cx="1648729" cy="965214"/>
+        <a:off x="2841444" y="657770"/>
+        <a:ext cx="1930877" cy="1130392"/>
       </dsp:txXfrm>
     </dsp:sp>
     <dsp:sp modelId="{25F05748-A2BE-4145-A131-D1A2BD9B21DD}">
@@ -5992,8 +5808,8 @@
       </dsp:nvSpPr>
       <dsp:spPr>
         <a:xfrm>
-          <a:off x="5016348" y="302896"/>
-          <a:ext cx="362262" cy="423779"/>
+          <a:off x="4983596" y="974815"/>
+          <a:ext cx="424257" cy="496300"/>
         </a:xfrm>
         <a:prstGeom prst="rightArrow">
           <a:avLst>
@@ -6035,7 +5851,7 @@
         </a:bodyPr>
         <a:lstStyle/>
         <a:p>
-          <a:pPr marL="0" lvl="0" indent="0" algn="ctr" defTabSz="800100">
+          <a:pPr marL="0" lvl="0" indent="0" algn="ctr" defTabSz="933450">
             <a:lnSpc>
               <a:spcPct val="90000"/>
             </a:lnSpc>
@@ -6047,12 +5863,12 @@
             </a:spcAft>
             <a:buNone/>
           </a:pPr>
-          <a:endParaRPr lang="en-US" sz="1800" kern="1200"/>
+          <a:endParaRPr lang="en-US" sz="2100" kern="1200"/>
         </a:p>
       </dsp:txBody>
       <dsp:txXfrm>
-        <a:off x="5016348" y="387652"/>
-        <a:ext cx="253583" cy="254267"/>
+        <a:off x="4983596" y="1074075"/>
+        <a:ext cx="296980" cy="297780"/>
       </dsp:txXfrm>
     </dsp:sp>
     <dsp:sp modelId="{61B95B01-686E-470B-84C2-63BABFB6A4AE}">
@@ -6062,8 +5878,8 @@
       </dsp:nvSpPr>
       <dsp:spPr>
         <a:xfrm>
-          <a:off x="5549489" y="2149"/>
-          <a:ext cx="1708787" cy="1025272"/>
+          <a:off x="5607975" y="622602"/>
+          <a:ext cx="2001213" cy="1200728"/>
         </a:xfrm>
         <a:prstGeom prst="roundRect">
           <a:avLst>
@@ -6101,13 +5917,13 @@
         </a:fontRef>
       </dsp:style>
       <dsp:txBody>
-        <a:bodyPr spcFirstLastPara="0" vert="horz" wrap="square" lIns="102870" tIns="102870" rIns="102870" bIns="102870" numCol="1" spcCol="1270" anchor="ctr" anchorCtr="0">
+        <a:bodyPr spcFirstLastPara="0" vert="horz" wrap="square" lIns="118110" tIns="118110" rIns="118110" bIns="118110" numCol="1" spcCol="1270" anchor="ctr" anchorCtr="0">
           <a:noAutofit/>
           <a:sp3d extrusionH="28000" prstMaterial="matte"/>
         </a:bodyPr>
         <a:lstStyle/>
         <a:p>
-          <a:pPr marL="0" lvl="0" indent="0" algn="ctr" defTabSz="1200150">
+          <a:pPr marL="0" lvl="0" indent="0" algn="ctr" defTabSz="1377950">
             <a:lnSpc>
               <a:spcPct val="90000"/>
             </a:lnSpc>
@@ -6120,14 +5936,14 @@
             <a:buNone/>
           </a:pPr>
           <a:r>
-            <a:rPr lang="en-US" sz="2700" kern="1200"/>
+            <a:rPr lang="en-US" sz="3100" kern="1200"/>
             <a:t>Catalog Browsing</a:t>
           </a:r>
         </a:p>
       </dsp:txBody>
       <dsp:txXfrm>
-        <a:off x="5579518" y="32178"/>
-        <a:ext cx="1648729" cy="965214"/>
+        <a:off x="5643143" y="657770"/>
+        <a:ext cx="1930877" cy="1130392"/>
       </dsp:txXfrm>
     </dsp:sp>
     <dsp:sp modelId="{C07AFB13-2184-4548-A18F-86C4554EE868}">
@@ -6137,8 +5953,8 @@
       </dsp:nvSpPr>
       <dsp:spPr>
         <a:xfrm>
-          <a:off x="7408650" y="302896"/>
-          <a:ext cx="362262" cy="423779"/>
+          <a:off x="7785295" y="974815"/>
+          <a:ext cx="424257" cy="496300"/>
         </a:xfrm>
         <a:prstGeom prst="rightArrow">
           <a:avLst>
@@ -6180,7 +5996,7 @@
         </a:bodyPr>
         <a:lstStyle/>
         <a:p>
-          <a:pPr marL="0" lvl="0" indent="0" algn="ctr" defTabSz="800100">
+          <a:pPr marL="0" lvl="0" indent="0" algn="ctr" defTabSz="933450">
             <a:lnSpc>
               <a:spcPct val="90000"/>
             </a:lnSpc>
@@ -6192,23 +6008,23 @@
             </a:spcAft>
             <a:buNone/>
           </a:pPr>
-          <a:endParaRPr lang="en-US" sz="1800" kern="1200"/>
+          <a:endParaRPr lang="en-US" sz="2100" kern="1200"/>
         </a:p>
       </dsp:txBody>
       <dsp:txXfrm>
-        <a:off x="7408650" y="387652"/>
-        <a:ext cx="253583" cy="254267"/>
+        <a:off x="7785295" y="1074075"/>
+        <a:ext cx="296980" cy="297780"/>
       </dsp:txXfrm>
     </dsp:sp>
-    <dsp:sp modelId="{682A83FF-C443-4B38-A7BC-4411E4B1FCC4}">
+    <dsp:sp modelId="{F3614164-78C4-4276-B944-81CF58F9A001}">
       <dsp:nvSpPr>
         <dsp:cNvPr id="0" name=""/>
         <dsp:cNvSpPr/>
       </dsp:nvSpPr>
       <dsp:spPr>
         <a:xfrm>
-          <a:off x="7941792" y="2149"/>
-          <a:ext cx="1708787" cy="1025272"/>
+          <a:off x="8409674" y="622602"/>
+          <a:ext cx="2001213" cy="1200728"/>
         </a:xfrm>
         <a:prstGeom prst="roundRect">
           <a:avLst>
@@ -6246,13 +6062,13 @@
         </a:fontRef>
       </dsp:style>
       <dsp:txBody>
-        <a:bodyPr spcFirstLastPara="0" vert="horz" wrap="square" lIns="102870" tIns="102870" rIns="102870" bIns="102870" numCol="1" spcCol="1270" anchor="ctr" anchorCtr="0">
+        <a:bodyPr spcFirstLastPara="0" vert="horz" wrap="square" lIns="118110" tIns="118110" rIns="118110" bIns="118110" numCol="1" spcCol="1270" anchor="ctr" anchorCtr="0">
           <a:noAutofit/>
           <a:sp3d extrusionH="28000" prstMaterial="matte"/>
         </a:bodyPr>
         <a:lstStyle/>
         <a:p>
-          <a:pPr marL="0" lvl="0" indent="0" algn="ctr" defTabSz="1200150">
+          <a:pPr marL="0" lvl="0" indent="0" algn="ctr" defTabSz="1377950">
             <a:lnSpc>
               <a:spcPct val="90000"/>
             </a:lnSpc>
@@ -6265,25 +6081,25 @@
             <a:buNone/>
           </a:pPr>
           <a:r>
-            <a:rPr lang="en-US" sz="2700" kern="1200"/>
-            <a:t>Category List</a:t>
+            <a:rPr lang="en-US" sz="3100" kern="1200" dirty="0"/>
+            <a:t>product List</a:t>
           </a:r>
         </a:p>
       </dsp:txBody>
       <dsp:txXfrm>
-        <a:off x="7971821" y="32178"/>
-        <a:ext cx="1648729" cy="965214"/>
+        <a:off x="8444842" y="657770"/>
+        <a:ext cx="1930877" cy="1130392"/>
       </dsp:txXfrm>
     </dsp:sp>
-    <dsp:sp modelId="{232B7AB2-0189-4A7E-AC5A-90D0C3EACC41}">
+    <dsp:sp modelId="{6DA50377-D9CF-455F-A7B2-41F3466DDF59}">
       <dsp:nvSpPr>
         <dsp:cNvPr id="0" name=""/>
         <dsp:cNvSpPr/>
       </dsp:nvSpPr>
       <dsp:spPr>
         <a:xfrm rot="5400000">
-          <a:off x="8615054" y="1147037"/>
-          <a:ext cx="362262" cy="423779"/>
+          <a:off x="9198152" y="1963415"/>
+          <a:ext cx="424257" cy="496300"/>
         </a:xfrm>
         <a:prstGeom prst="rightArrow">
           <a:avLst>
@@ -6325,7 +6141,7 @@
         </a:bodyPr>
         <a:lstStyle/>
         <a:p>
-          <a:pPr marL="0" lvl="0" indent="0" algn="ctr" defTabSz="800100">
+          <a:pPr marL="0" lvl="0" indent="0" algn="ctr" defTabSz="933450">
             <a:lnSpc>
               <a:spcPct val="90000"/>
             </a:lnSpc>
@@ -6337,23 +6153,23 @@
             </a:spcAft>
             <a:buNone/>
           </a:pPr>
-          <a:endParaRPr lang="en-US" sz="1800" kern="1200"/>
+          <a:endParaRPr lang="en-US" sz="2100" kern="1200"/>
         </a:p>
       </dsp:txBody>
       <dsp:txXfrm rot="-5400000">
-        <a:off x="8669052" y="1177796"/>
-        <a:ext cx="254267" cy="253583"/>
+        <a:off x="9261391" y="1999437"/>
+        <a:ext cx="297780" cy="296980"/>
       </dsp:txXfrm>
     </dsp:sp>
-    <dsp:sp modelId="{F3614164-78C4-4276-B944-81CF58F9A001}">
+    <dsp:sp modelId="{362E84BA-7F08-47C5-9B06-0195642B501D}">
       <dsp:nvSpPr>
         <dsp:cNvPr id="0" name=""/>
         <dsp:cNvSpPr/>
       </dsp:nvSpPr>
       <dsp:spPr>
         <a:xfrm>
-          <a:off x="7941792" y="1710936"/>
-          <a:ext cx="1708787" cy="1025272"/>
+          <a:off x="8409674" y="2623815"/>
+          <a:ext cx="2001213" cy="1200728"/>
         </a:xfrm>
         <a:prstGeom prst="roundRect">
           <a:avLst>
@@ -6391,13 +6207,13 @@
         </a:fontRef>
       </dsp:style>
       <dsp:txBody>
-        <a:bodyPr spcFirstLastPara="0" vert="horz" wrap="square" lIns="102870" tIns="102870" rIns="102870" bIns="102870" numCol="1" spcCol="1270" anchor="ctr" anchorCtr="0">
+        <a:bodyPr spcFirstLastPara="0" vert="horz" wrap="square" lIns="118110" tIns="118110" rIns="118110" bIns="118110" numCol="1" spcCol="1270" anchor="ctr" anchorCtr="0">
           <a:noAutofit/>
           <a:sp3d extrusionH="28000" prstMaterial="matte"/>
         </a:bodyPr>
         <a:lstStyle/>
         <a:p>
-          <a:pPr marL="0" lvl="0" indent="0" algn="ctr" defTabSz="1200150">
+          <a:pPr marL="0" lvl="0" indent="0" algn="ctr" defTabSz="1377950">
             <a:lnSpc>
               <a:spcPct val="90000"/>
             </a:lnSpc>
@@ -6410,25 +6226,25 @@
             <a:buNone/>
           </a:pPr>
           <a:r>
-            <a:rPr lang="en-US" sz="2700" kern="1200" dirty="0"/>
-            <a:t>product List</a:t>
+            <a:rPr lang="en-US" sz="3100" kern="1200"/>
+            <a:t>Shopping Cart</a:t>
           </a:r>
         </a:p>
       </dsp:txBody>
       <dsp:txXfrm>
-        <a:off x="7971821" y="1740965"/>
-        <a:ext cx="1648729" cy="965214"/>
+        <a:off x="8444842" y="2658983"/>
+        <a:ext cx="1930877" cy="1130392"/>
       </dsp:txXfrm>
     </dsp:sp>
-    <dsp:sp modelId="{6DA50377-D9CF-455F-A7B2-41F3466DDF59}">
+    <dsp:sp modelId="{004C6381-B36B-4488-822B-5295BA512997}">
       <dsp:nvSpPr>
         <dsp:cNvPr id="0" name=""/>
         <dsp:cNvSpPr/>
       </dsp:nvSpPr>
       <dsp:spPr>
         <a:xfrm rot="10800000">
-          <a:off x="7429155" y="2011683"/>
-          <a:ext cx="362262" cy="423779"/>
+          <a:off x="7809310" y="2976029"/>
+          <a:ext cx="424257" cy="496300"/>
         </a:xfrm>
         <a:prstGeom prst="rightArrow">
           <a:avLst>
@@ -6470,7 +6286,7 @@
         </a:bodyPr>
         <a:lstStyle/>
         <a:p>
-          <a:pPr marL="0" lvl="0" indent="0" algn="ctr" defTabSz="800100">
+          <a:pPr marL="0" lvl="0" indent="0" algn="ctr" defTabSz="933450">
             <a:lnSpc>
               <a:spcPct val="90000"/>
             </a:lnSpc>
@@ -6482,23 +6298,23 @@
             </a:spcAft>
             <a:buNone/>
           </a:pPr>
-          <a:endParaRPr lang="en-US" sz="1800" kern="1200"/>
+          <a:endParaRPr lang="en-US" sz="2100" kern="1200"/>
         </a:p>
       </dsp:txBody>
       <dsp:txXfrm rot="10800000">
-        <a:off x="7537834" y="2096439"/>
-        <a:ext cx="253583" cy="254267"/>
+        <a:off x="7936587" y="3075289"/>
+        <a:ext cx="296980" cy="297780"/>
       </dsp:txXfrm>
     </dsp:sp>
-    <dsp:sp modelId="{4D28C219-44E7-4206-8D05-31D35D4EED5F}">
+    <dsp:sp modelId="{F454DD15-7DFA-4DB1-A336-5E6C7E675C6B}">
       <dsp:nvSpPr>
         <dsp:cNvPr id="0" name=""/>
         <dsp:cNvSpPr/>
       </dsp:nvSpPr>
       <dsp:spPr>
         <a:xfrm>
-          <a:off x="5549489" y="1710936"/>
-          <a:ext cx="1708787" cy="1025272"/>
+          <a:off x="5607975" y="2623815"/>
+          <a:ext cx="2001213" cy="1200728"/>
         </a:xfrm>
         <a:prstGeom prst="roundRect">
           <a:avLst>
@@ -6536,13 +6352,13 @@
         </a:fontRef>
       </dsp:style>
       <dsp:txBody>
-        <a:bodyPr spcFirstLastPara="0" vert="horz" wrap="square" lIns="102870" tIns="102870" rIns="102870" bIns="102870" numCol="1" spcCol="1270" anchor="ctr" anchorCtr="0">
+        <a:bodyPr spcFirstLastPara="0" vert="horz" wrap="square" lIns="118110" tIns="118110" rIns="118110" bIns="118110" numCol="1" spcCol="1270" anchor="ctr" anchorCtr="0">
           <a:noAutofit/>
           <a:sp3d extrusionH="28000" prstMaterial="matte"/>
         </a:bodyPr>
         <a:lstStyle/>
         <a:p>
-          <a:pPr marL="0" lvl="0" indent="0" algn="ctr" defTabSz="1200150">
+          <a:pPr marL="0" lvl="0" indent="0" algn="ctr" defTabSz="1377950">
             <a:lnSpc>
               <a:spcPct val="90000"/>
             </a:lnSpc>
@@ -6555,25 +6371,25 @@
             <a:buNone/>
           </a:pPr>
           <a:r>
-            <a:rPr lang="en-US" sz="2700" kern="1200"/>
-            <a:t>Product Browsing</a:t>
+            <a:rPr lang="en-US" sz="3100" kern="1200" dirty="0"/>
+            <a:t>payment</a:t>
           </a:r>
         </a:p>
       </dsp:txBody>
       <dsp:txXfrm>
-        <a:off x="5579518" y="1740965"/>
-        <a:ext cx="1648729" cy="965214"/>
+        <a:off x="5643143" y="2658983"/>
+        <a:ext cx="1930877" cy="1130392"/>
       </dsp:txXfrm>
     </dsp:sp>
-    <dsp:sp modelId="{FC49B44E-47C9-4A13-8096-8B326E670D78}">
+    <dsp:sp modelId="{BEB4B802-CDDB-44D3-A769-87A27F61CA5F}">
       <dsp:nvSpPr>
         <dsp:cNvPr id="0" name=""/>
         <dsp:cNvSpPr/>
       </dsp:nvSpPr>
       <dsp:spPr>
         <a:xfrm rot="10800000">
-          <a:off x="5036853" y="2011683"/>
-          <a:ext cx="362262" cy="423779"/>
+          <a:off x="5007611" y="2976029"/>
+          <a:ext cx="424257" cy="496300"/>
         </a:xfrm>
         <a:prstGeom prst="rightArrow">
           <a:avLst>
@@ -6615,7 +6431,7 @@
         </a:bodyPr>
         <a:lstStyle/>
         <a:p>
-          <a:pPr marL="0" lvl="0" indent="0" algn="ctr" defTabSz="800100">
+          <a:pPr marL="0" lvl="0" indent="0" algn="ctr" defTabSz="933450">
             <a:lnSpc>
               <a:spcPct val="90000"/>
             </a:lnSpc>
@@ -6627,23 +6443,23 @@
             </a:spcAft>
             <a:buNone/>
           </a:pPr>
-          <a:endParaRPr lang="en-US" sz="1800" kern="1200"/>
+          <a:endParaRPr lang="en-US" sz="2100" kern="1200"/>
         </a:p>
       </dsp:txBody>
       <dsp:txXfrm rot="10800000">
-        <a:off x="5145532" y="2096439"/>
-        <a:ext cx="253583" cy="254267"/>
+        <a:off x="5134888" y="3075289"/>
+        <a:ext cx="296980" cy="297780"/>
       </dsp:txXfrm>
     </dsp:sp>
-    <dsp:sp modelId="{831D659F-9C8E-4AC8-9BC8-44DDDEE89AAA}">
+    <dsp:sp modelId="{2C65C846-1A71-4B98-88AF-3F9BADE10886}">
       <dsp:nvSpPr>
         <dsp:cNvPr id="0" name=""/>
         <dsp:cNvSpPr/>
       </dsp:nvSpPr>
       <dsp:spPr>
         <a:xfrm>
-          <a:off x="3157187" y="1710936"/>
-          <a:ext cx="1708787" cy="1025272"/>
+          <a:off x="2806276" y="2623815"/>
+          <a:ext cx="2001213" cy="1200728"/>
         </a:xfrm>
         <a:prstGeom prst="roundRect">
           <a:avLst>
@@ -6681,13 +6497,13 @@
         </a:fontRef>
       </dsp:style>
       <dsp:txBody>
-        <a:bodyPr spcFirstLastPara="0" vert="horz" wrap="square" lIns="102870" tIns="102870" rIns="102870" bIns="102870" numCol="1" spcCol="1270" anchor="ctr" anchorCtr="0">
+        <a:bodyPr spcFirstLastPara="0" vert="horz" wrap="square" lIns="118110" tIns="118110" rIns="118110" bIns="118110" numCol="1" spcCol="1270" anchor="ctr" anchorCtr="0">
           <a:noAutofit/>
           <a:sp3d extrusionH="28000" prstMaterial="matte"/>
         </a:bodyPr>
         <a:lstStyle/>
         <a:p>
-          <a:pPr marL="0" lvl="0" indent="0" algn="ctr" defTabSz="1200150">
+          <a:pPr marL="0" lvl="0" indent="0" algn="ctr" defTabSz="1377950">
             <a:lnSpc>
               <a:spcPct val="90000"/>
             </a:lnSpc>
@@ -6700,25 +6516,25 @@
             <a:buNone/>
           </a:pPr>
           <a:r>
-            <a:rPr lang="en-US" sz="2700" kern="1200"/>
-            <a:t>Related products</a:t>
+            <a:rPr lang="en-US" sz="3100" kern="1200" dirty="0"/>
+            <a:t>checkout</a:t>
           </a:r>
         </a:p>
       </dsp:txBody>
       <dsp:txXfrm>
-        <a:off x="3187216" y="1740965"/>
-        <a:ext cx="1648729" cy="965214"/>
+        <a:off x="2841444" y="2658983"/>
+        <a:ext cx="1930877" cy="1130392"/>
       </dsp:txXfrm>
     </dsp:sp>
-    <dsp:sp modelId="{002E9883-20D0-4C58-AC21-3578C1866496}">
+    <dsp:sp modelId="{0BC9BC09-40B7-436C-9F6B-A6E134B42454}">
       <dsp:nvSpPr>
         <dsp:cNvPr id="0" name=""/>
         <dsp:cNvSpPr/>
       </dsp:nvSpPr>
       <dsp:spPr>
         <a:xfrm rot="10800000">
-          <a:off x="2644551" y="2011683"/>
-          <a:ext cx="362262" cy="423779"/>
+          <a:off x="2205912" y="2976029"/>
+          <a:ext cx="424257" cy="496300"/>
         </a:xfrm>
         <a:prstGeom prst="rightArrow">
           <a:avLst>
@@ -6760,7 +6576,7 @@
         </a:bodyPr>
         <a:lstStyle/>
         <a:p>
-          <a:pPr marL="0" lvl="0" indent="0" algn="ctr" defTabSz="800100">
+          <a:pPr marL="0" lvl="0" indent="0" algn="ctr" defTabSz="933450">
             <a:lnSpc>
               <a:spcPct val="90000"/>
             </a:lnSpc>
@@ -6772,23 +6588,23 @@
             </a:spcAft>
             <a:buNone/>
           </a:pPr>
-          <a:endParaRPr lang="en-US" sz="1800" kern="1200"/>
+          <a:endParaRPr lang="en-US" sz="2100" kern="1200"/>
         </a:p>
       </dsp:txBody>
       <dsp:txXfrm rot="10800000">
-        <a:off x="2753230" y="2096439"/>
-        <a:ext cx="253583" cy="254267"/>
+        <a:off x="2333189" y="3075289"/>
+        <a:ext cx="296980" cy="297780"/>
       </dsp:txXfrm>
     </dsp:sp>
-    <dsp:sp modelId="{362E84BA-7F08-47C5-9B06-0195642B501D}">
+    <dsp:sp modelId="{954DC646-88E2-480E-B259-6DA162E72D57}">
       <dsp:nvSpPr>
         <dsp:cNvPr id="0" name=""/>
         <dsp:cNvSpPr/>
       </dsp:nvSpPr>
       <dsp:spPr>
         <a:xfrm>
-          <a:off x="764885" y="1710936"/>
-          <a:ext cx="1708787" cy="1025272"/>
+          <a:off x="4577" y="2623815"/>
+          <a:ext cx="2001213" cy="1200728"/>
         </a:xfrm>
         <a:prstGeom prst="roundRect">
           <a:avLst>
@@ -6826,13 +6642,13 @@
         </a:fontRef>
       </dsp:style>
       <dsp:txBody>
-        <a:bodyPr spcFirstLastPara="0" vert="horz" wrap="square" lIns="102870" tIns="102870" rIns="102870" bIns="102870" numCol="1" spcCol="1270" anchor="ctr" anchorCtr="0">
+        <a:bodyPr spcFirstLastPara="0" vert="horz" wrap="square" lIns="118110" tIns="118110" rIns="118110" bIns="118110" numCol="1" spcCol="1270" anchor="ctr" anchorCtr="0">
           <a:noAutofit/>
           <a:sp3d extrusionH="28000" prstMaterial="matte"/>
         </a:bodyPr>
         <a:lstStyle/>
         <a:p>
-          <a:pPr marL="0" lvl="0" indent="0" algn="ctr" defTabSz="1200150">
+          <a:pPr marL="0" lvl="0" indent="0" algn="ctr" defTabSz="1377950">
             <a:lnSpc>
               <a:spcPct val="90000"/>
             </a:lnSpc>
@@ -6845,449 +6661,14 @@
             <a:buNone/>
           </a:pPr>
           <a:r>
-            <a:rPr lang="en-US" sz="2700" kern="1200"/>
-            <a:t>Shopping Cart</a:t>
-          </a:r>
-        </a:p>
-      </dsp:txBody>
-      <dsp:txXfrm>
-        <a:off x="794914" y="1740965"/>
-        <a:ext cx="1648729" cy="965214"/>
-      </dsp:txXfrm>
-    </dsp:sp>
-    <dsp:sp modelId="{004C6381-B36B-4488-822B-5295BA512997}">
-      <dsp:nvSpPr>
-        <dsp:cNvPr id="0" name=""/>
-        <dsp:cNvSpPr/>
-      </dsp:nvSpPr>
-      <dsp:spPr>
-        <a:xfrm rot="5400000">
-          <a:off x="1438147" y="2855824"/>
-          <a:ext cx="362262" cy="423779"/>
-        </a:xfrm>
-        <a:prstGeom prst="rightArrow">
-          <a:avLst>
-            <a:gd name="adj1" fmla="val 60000"/>
-            <a:gd name="adj2" fmla="val 50000"/>
-          </a:avLst>
-        </a:prstGeom>
-        <a:solidFill>
-          <a:schemeClr val="accent4">
-            <a:hueOff val="0"/>
-            <a:satOff val="0"/>
-            <a:lumOff val="0"/>
-            <a:alphaOff val="0"/>
-          </a:schemeClr>
-        </a:solidFill>
-        <a:ln>
-          <a:noFill/>
-        </a:ln>
-        <a:effectLst/>
-        <a:sp3d z="-227350" prstMaterial="matte"/>
-      </dsp:spPr>
-      <dsp:style>
-        <a:lnRef idx="0">
-          <a:scrgbClr r="0" g="0" b="0"/>
-        </a:lnRef>
-        <a:fillRef idx="1">
-          <a:scrgbClr r="0" g="0" b="0"/>
-        </a:fillRef>
-        <a:effectRef idx="0">
-          <a:scrgbClr r="0" g="0" b="0"/>
-        </a:effectRef>
-        <a:fontRef idx="minor">
-          <a:schemeClr val="lt1"/>
-        </a:fontRef>
-      </dsp:style>
-      <dsp:txBody>
-        <a:bodyPr spcFirstLastPara="0" vert="horz" wrap="square" lIns="0" tIns="0" rIns="0" bIns="0" numCol="1" spcCol="1270" anchor="ctr" anchorCtr="0">
-          <a:noAutofit/>
-        </a:bodyPr>
-        <a:lstStyle/>
-        <a:p>
-          <a:pPr marL="0" lvl="0" indent="0" algn="ctr" defTabSz="800100">
-            <a:lnSpc>
-              <a:spcPct val="90000"/>
-            </a:lnSpc>
-            <a:spcBef>
-              <a:spcPct val="0"/>
-            </a:spcBef>
-            <a:spcAft>
-              <a:spcPct val="35000"/>
-            </a:spcAft>
-            <a:buNone/>
-          </a:pPr>
-          <a:endParaRPr lang="en-US" sz="1800" kern="1200"/>
-        </a:p>
-      </dsp:txBody>
-      <dsp:txXfrm rot="-5400000">
-        <a:off x="1492145" y="2886583"/>
-        <a:ext cx="254267" cy="253583"/>
-      </dsp:txXfrm>
-    </dsp:sp>
-    <dsp:sp modelId="{F454DD15-7DFA-4DB1-A336-5E6C7E675C6B}">
-      <dsp:nvSpPr>
-        <dsp:cNvPr id="0" name=""/>
-        <dsp:cNvSpPr/>
-      </dsp:nvSpPr>
-      <dsp:spPr>
-        <a:xfrm>
-          <a:off x="764885" y="3419724"/>
-          <a:ext cx="1708787" cy="1025272"/>
-        </a:xfrm>
-        <a:prstGeom prst="roundRect">
-          <a:avLst>
-            <a:gd name="adj" fmla="val 10000"/>
-          </a:avLst>
-        </a:prstGeom>
-        <a:solidFill>
-          <a:schemeClr val="accent5">
-            <a:hueOff val="0"/>
-            <a:satOff val="0"/>
-            <a:lumOff val="0"/>
-            <a:alphaOff val="0"/>
-          </a:schemeClr>
-        </a:solidFill>
-        <a:ln>
-          <a:noFill/>
-        </a:ln>
-        <a:effectLst/>
-        <a:sp3d extrusionH="152250" prstMaterial="matte">
-          <a:bevelT w="165100" prst="coolSlant"/>
-        </a:sp3d>
-      </dsp:spPr>
-      <dsp:style>
-        <a:lnRef idx="0">
-          <a:scrgbClr r="0" g="0" b="0"/>
-        </a:lnRef>
-        <a:fillRef idx="1">
-          <a:scrgbClr r="0" g="0" b="0"/>
-        </a:fillRef>
-        <a:effectRef idx="2">
-          <a:scrgbClr r="0" g="0" b="0"/>
-        </a:effectRef>
-        <a:fontRef idx="minor">
-          <a:schemeClr val="lt1"/>
-        </a:fontRef>
-      </dsp:style>
-      <dsp:txBody>
-        <a:bodyPr spcFirstLastPara="0" vert="horz" wrap="square" lIns="102870" tIns="102870" rIns="102870" bIns="102870" numCol="1" spcCol="1270" anchor="ctr" anchorCtr="0">
-          <a:noAutofit/>
-          <a:sp3d extrusionH="28000" prstMaterial="matte"/>
-        </a:bodyPr>
-        <a:lstStyle/>
-        <a:p>
-          <a:pPr marL="0" lvl="0" indent="0" algn="ctr" defTabSz="1200150">
-            <a:lnSpc>
-              <a:spcPct val="90000"/>
-            </a:lnSpc>
-            <a:spcBef>
-              <a:spcPct val="0"/>
-            </a:spcBef>
-            <a:spcAft>
-              <a:spcPct val="35000"/>
-            </a:spcAft>
-            <a:buNone/>
-          </a:pPr>
-          <a:r>
-            <a:rPr lang="en-US" sz="2700" kern="1200" dirty="0"/>
-            <a:t>payment</a:t>
-          </a:r>
-        </a:p>
-      </dsp:txBody>
-      <dsp:txXfrm>
-        <a:off x="794914" y="3449753"/>
-        <a:ext cx="1648729" cy="965214"/>
-      </dsp:txXfrm>
-    </dsp:sp>
-    <dsp:sp modelId="{BEB4B802-CDDB-44D3-A769-87A27F61CA5F}">
-      <dsp:nvSpPr>
-        <dsp:cNvPr id="0" name=""/>
-        <dsp:cNvSpPr/>
-      </dsp:nvSpPr>
-      <dsp:spPr>
-        <a:xfrm>
-          <a:off x="2624046" y="3720470"/>
-          <a:ext cx="362262" cy="423779"/>
-        </a:xfrm>
-        <a:prstGeom prst="rightArrow">
-          <a:avLst>
-            <a:gd name="adj1" fmla="val 60000"/>
-            <a:gd name="adj2" fmla="val 50000"/>
-          </a:avLst>
-        </a:prstGeom>
-        <a:solidFill>
-          <a:schemeClr val="accent5">
-            <a:hueOff val="0"/>
-            <a:satOff val="0"/>
-            <a:lumOff val="0"/>
-            <a:alphaOff val="0"/>
-          </a:schemeClr>
-        </a:solidFill>
-        <a:ln>
-          <a:noFill/>
-        </a:ln>
-        <a:effectLst/>
-        <a:sp3d z="-227350" prstMaterial="matte"/>
-      </dsp:spPr>
-      <dsp:style>
-        <a:lnRef idx="0">
-          <a:scrgbClr r="0" g="0" b="0"/>
-        </a:lnRef>
-        <a:fillRef idx="1">
-          <a:scrgbClr r="0" g="0" b="0"/>
-        </a:fillRef>
-        <a:effectRef idx="0">
-          <a:scrgbClr r="0" g="0" b="0"/>
-        </a:effectRef>
-        <a:fontRef idx="minor">
-          <a:schemeClr val="lt1"/>
-        </a:fontRef>
-      </dsp:style>
-      <dsp:txBody>
-        <a:bodyPr spcFirstLastPara="0" vert="horz" wrap="square" lIns="0" tIns="0" rIns="0" bIns="0" numCol="1" spcCol="1270" anchor="ctr" anchorCtr="0">
-          <a:noAutofit/>
-        </a:bodyPr>
-        <a:lstStyle/>
-        <a:p>
-          <a:pPr marL="0" lvl="0" indent="0" algn="ctr" defTabSz="800100">
-            <a:lnSpc>
-              <a:spcPct val="90000"/>
-            </a:lnSpc>
-            <a:spcBef>
-              <a:spcPct val="0"/>
-            </a:spcBef>
-            <a:spcAft>
-              <a:spcPct val="35000"/>
-            </a:spcAft>
-            <a:buNone/>
-          </a:pPr>
-          <a:endParaRPr lang="en-US" sz="1800" kern="1200"/>
-        </a:p>
-      </dsp:txBody>
-      <dsp:txXfrm>
-        <a:off x="2624046" y="3805226"/>
-        <a:ext cx="253583" cy="254267"/>
-      </dsp:txXfrm>
-    </dsp:sp>
-    <dsp:sp modelId="{2C65C846-1A71-4B98-88AF-3F9BADE10886}">
-      <dsp:nvSpPr>
-        <dsp:cNvPr id="0" name=""/>
-        <dsp:cNvSpPr/>
-      </dsp:nvSpPr>
-      <dsp:spPr>
-        <a:xfrm>
-          <a:off x="3157187" y="3419724"/>
-          <a:ext cx="1708787" cy="1025272"/>
-        </a:xfrm>
-        <a:prstGeom prst="roundRect">
-          <a:avLst>
-            <a:gd name="adj" fmla="val 10000"/>
-          </a:avLst>
-        </a:prstGeom>
-        <a:solidFill>
-          <a:schemeClr val="accent6">
-            <a:hueOff val="0"/>
-            <a:satOff val="0"/>
-            <a:lumOff val="0"/>
-            <a:alphaOff val="0"/>
-          </a:schemeClr>
-        </a:solidFill>
-        <a:ln>
-          <a:noFill/>
-        </a:ln>
-        <a:effectLst/>
-        <a:sp3d extrusionH="152250" prstMaterial="matte">
-          <a:bevelT w="165100" prst="coolSlant"/>
-        </a:sp3d>
-      </dsp:spPr>
-      <dsp:style>
-        <a:lnRef idx="0">
-          <a:scrgbClr r="0" g="0" b="0"/>
-        </a:lnRef>
-        <a:fillRef idx="1">
-          <a:scrgbClr r="0" g="0" b="0"/>
-        </a:fillRef>
-        <a:effectRef idx="2">
-          <a:scrgbClr r="0" g="0" b="0"/>
-        </a:effectRef>
-        <a:fontRef idx="minor">
-          <a:schemeClr val="lt1"/>
-        </a:fontRef>
-      </dsp:style>
-      <dsp:txBody>
-        <a:bodyPr spcFirstLastPara="0" vert="horz" wrap="square" lIns="102870" tIns="102870" rIns="102870" bIns="102870" numCol="1" spcCol="1270" anchor="ctr" anchorCtr="0">
-          <a:noAutofit/>
-          <a:sp3d extrusionH="28000" prstMaterial="matte"/>
-        </a:bodyPr>
-        <a:lstStyle/>
-        <a:p>
-          <a:pPr marL="0" lvl="0" indent="0" algn="ctr" defTabSz="1200150">
-            <a:lnSpc>
-              <a:spcPct val="90000"/>
-            </a:lnSpc>
-            <a:spcBef>
-              <a:spcPct val="0"/>
-            </a:spcBef>
-            <a:spcAft>
-              <a:spcPct val="35000"/>
-            </a:spcAft>
-            <a:buNone/>
-          </a:pPr>
-          <a:r>
-            <a:rPr lang="en-US" sz="2700" kern="1200" dirty="0"/>
-            <a:t>checkout</a:t>
-          </a:r>
-        </a:p>
-      </dsp:txBody>
-      <dsp:txXfrm>
-        <a:off x="3187216" y="3449753"/>
-        <a:ext cx="1648729" cy="965214"/>
-      </dsp:txXfrm>
-    </dsp:sp>
-    <dsp:sp modelId="{0BC9BC09-40B7-436C-9F6B-A6E134B42454}">
-      <dsp:nvSpPr>
-        <dsp:cNvPr id="0" name=""/>
-        <dsp:cNvSpPr/>
-      </dsp:nvSpPr>
-      <dsp:spPr>
-        <a:xfrm>
-          <a:off x="5016348" y="3720470"/>
-          <a:ext cx="362262" cy="423779"/>
-        </a:xfrm>
-        <a:prstGeom prst="rightArrow">
-          <a:avLst>
-            <a:gd name="adj1" fmla="val 60000"/>
-            <a:gd name="adj2" fmla="val 50000"/>
-          </a:avLst>
-        </a:prstGeom>
-        <a:solidFill>
-          <a:schemeClr val="accent6">
-            <a:hueOff val="0"/>
-            <a:satOff val="0"/>
-            <a:lumOff val="0"/>
-            <a:alphaOff val="0"/>
-          </a:schemeClr>
-        </a:solidFill>
-        <a:ln>
-          <a:noFill/>
-        </a:ln>
-        <a:effectLst/>
-        <a:sp3d z="-227350" prstMaterial="matte"/>
-      </dsp:spPr>
-      <dsp:style>
-        <a:lnRef idx="0">
-          <a:scrgbClr r="0" g="0" b="0"/>
-        </a:lnRef>
-        <a:fillRef idx="1">
-          <a:scrgbClr r="0" g="0" b="0"/>
-        </a:fillRef>
-        <a:effectRef idx="0">
-          <a:scrgbClr r="0" g="0" b="0"/>
-        </a:effectRef>
-        <a:fontRef idx="minor">
-          <a:schemeClr val="lt1"/>
-        </a:fontRef>
-      </dsp:style>
-      <dsp:txBody>
-        <a:bodyPr spcFirstLastPara="0" vert="horz" wrap="square" lIns="0" tIns="0" rIns="0" bIns="0" numCol="1" spcCol="1270" anchor="ctr" anchorCtr="0">
-          <a:noAutofit/>
-        </a:bodyPr>
-        <a:lstStyle/>
-        <a:p>
-          <a:pPr marL="0" lvl="0" indent="0" algn="ctr" defTabSz="800100">
-            <a:lnSpc>
-              <a:spcPct val="90000"/>
-            </a:lnSpc>
-            <a:spcBef>
-              <a:spcPct val="0"/>
-            </a:spcBef>
-            <a:spcAft>
-              <a:spcPct val="35000"/>
-            </a:spcAft>
-            <a:buNone/>
-          </a:pPr>
-          <a:endParaRPr lang="en-US" sz="1800" kern="1200"/>
-        </a:p>
-      </dsp:txBody>
-      <dsp:txXfrm>
-        <a:off x="5016348" y="3805226"/>
-        <a:ext cx="253583" cy="254267"/>
-      </dsp:txXfrm>
-    </dsp:sp>
-    <dsp:sp modelId="{954DC646-88E2-480E-B259-6DA162E72D57}">
-      <dsp:nvSpPr>
-        <dsp:cNvPr id="0" name=""/>
-        <dsp:cNvSpPr/>
-      </dsp:nvSpPr>
-      <dsp:spPr>
-        <a:xfrm>
-          <a:off x="5549489" y="3419724"/>
-          <a:ext cx="1708787" cy="1025272"/>
-        </a:xfrm>
-        <a:prstGeom prst="roundRect">
-          <a:avLst>
-            <a:gd name="adj" fmla="val 10000"/>
-          </a:avLst>
-        </a:prstGeom>
-        <a:solidFill>
-          <a:schemeClr val="accent2">
-            <a:hueOff val="0"/>
-            <a:satOff val="0"/>
-            <a:lumOff val="0"/>
-            <a:alphaOff val="0"/>
-          </a:schemeClr>
-        </a:solidFill>
-        <a:ln>
-          <a:noFill/>
-        </a:ln>
-        <a:effectLst/>
-        <a:sp3d extrusionH="152250" prstMaterial="matte">
-          <a:bevelT w="165100" prst="coolSlant"/>
-        </a:sp3d>
-      </dsp:spPr>
-      <dsp:style>
-        <a:lnRef idx="0">
-          <a:scrgbClr r="0" g="0" b="0"/>
-        </a:lnRef>
-        <a:fillRef idx="1">
-          <a:scrgbClr r="0" g="0" b="0"/>
-        </a:fillRef>
-        <a:effectRef idx="2">
-          <a:scrgbClr r="0" g="0" b="0"/>
-        </a:effectRef>
-        <a:fontRef idx="minor">
-          <a:schemeClr val="lt1"/>
-        </a:fontRef>
-      </dsp:style>
-      <dsp:txBody>
-        <a:bodyPr spcFirstLastPara="0" vert="horz" wrap="square" lIns="102870" tIns="102870" rIns="102870" bIns="102870" numCol="1" spcCol="1270" anchor="ctr" anchorCtr="0">
-          <a:noAutofit/>
-          <a:sp3d extrusionH="28000" prstMaterial="matte"/>
-        </a:bodyPr>
-        <a:lstStyle/>
-        <a:p>
-          <a:pPr marL="0" lvl="0" indent="0" algn="ctr" defTabSz="1200150">
-            <a:lnSpc>
-              <a:spcPct val="90000"/>
-            </a:lnSpc>
-            <a:spcBef>
-              <a:spcPct val="0"/>
-            </a:spcBef>
-            <a:spcAft>
-              <a:spcPct val="35000"/>
-            </a:spcAft>
-            <a:buNone/>
-          </a:pPr>
-          <a:r>
-            <a:rPr lang="en-US" sz="2700" kern="1200" dirty="0"/>
+            <a:rPr lang="en-US" sz="3100" kern="1200" dirty="0"/>
             <a:t>Generate bill</a:t>
           </a:r>
         </a:p>
       </dsp:txBody>
       <dsp:txXfrm>
-        <a:off x="5579518" y="3449753"/>
-        <a:ext cx="1648729" cy="965214"/>
+        <a:off x="39745" y="2658983"/>
+        <a:ext cx="1930877" cy="1130392"/>
       </dsp:txXfrm>
     </dsp:sp>
   </dsp:spTree>
@@ -11277,7 +10658,7 @@
           <a:p>
             <a:fld id="{6016D8A5-002A-4AB6-842C-E4EAEC319A96}" type="datetimeFigureOut">
               <a:rPr lang="en-US" smtClean="0"/>
-              <a:t>8/22/2020</a:t>
+              <a:t>8/23/2020</a:t>
             </a:fld>
             <a:endParaRPr lang="en-US"/>
           </a:p>
@@ -11458,7 +10839,7 @@
           <a:p>
             <a:fld id="{38270114-17E7-4700-B212-07A00CDE35AA}" type="datetimeFigureOut">
               <a:rPr lang="en-US" smtClean="0"/>
-              <a:t>8/22/2020</a:t>
+              <a:t>8/23/2020</a:t>
             </a:fld>
             <a:endParaRPr lang="en-US"/>
           </a:p>
@@ -12179,7 +11560,7 @@
           <a:p>
             <a:fld id="{B1798058-63C5-4C14-A7C8-14B08695E6B5}" type="datetime1">
               <a:rPr lang="en-US" smtClean="0"/>
-              <a:t>8/22/2020</a:t>
+              <a:t>8/23/2020</a:t>
             </a:fld>
             <a:endParaRPr lang="en-US"/>
           </a:p>
@@ -12511,7 +11892,7 @@
           <a:p>
             <a:fld id="{69370092-2E0C-4FE1-90D0-EB120B270703}" type="datetime1">
               <a:rPr lang="en-US" smtClean="0"/>
-              <a:t>8/22/2020</a:t>
+              <a:t>8/23/2020</a:t>
             </a:fld>
             <a:endParaRPr lang="en-US"/>
           </a:p>
@@ -12707,7 +12088,7 @@
           <a:p>
             <a:fld id="{162F6683-1C67-4E39-A959-4456C0D4AE2A}" type="datetime1">
               <a:rPr lang="en-US" smtClean="0"/>
-              <a:t>8/22/2020</a:t>
+              <a:t>8/23/2020</a:t>
             </a:fld>
             <a:endParaRPr lang="en-US"/>
           </a:p>
@@ -12978,7 +12359,7 @@
           <a:p>
             <a:fld id="{162F6683-1C67-4E39-A959-4456C0D4AE2A}" type="datetime1">
               <a:rPr lang="en-US" smtClean="0"/>
-              <a:t>8/22/2020</a:t>
+              <a:t>8/23/2020</a:t>
             </a:fld>
             <a:endParaRPr lang="en-US"/>
           </a:p>
@@ -13407,7 +12788,7 @@
           <a:p>
             <a:fld id="{162F6683-1C67-4E39-A959-4456C0D4AE2A}" type="datetime1">
               <a:rPr lang="en-US" smtClean="0"/>
-              <a:t>8/22/2020</a:t>
+              <a:t>8/23/2020</a:t>
             </a:fld>
             <a:endParaRPr lang="en-US"/>
           </a:p>
@@ -13958,7 +13339,7 @@
           <a:p>
             <a:fld id="{162F6683-1C67-4E39-A959-4456C0D4AE2A}" type="datetime1">
               <a:rPr lang="en-US" smtClean="0"/>
-              <a:t>8/22/2020</a:t>
+              <a:t>8/23/2020</a:t>
             </a:fld>
             <a:endParaRPr lang="en-US"/>
           </a:p>
@@ -14749,7 +14130,7 @@
           <a:p>
             <a:fld id="{162F6683-1C67-4E39-A959-4456C0D4AE2A}" type="datetime1">
               <a:rPr lang="en-US" smtClean="0"/>
-              <a:t>8/22/2020</a:t>
+              <a:t>8/23/2020</a:t>
             </a:fld>
             <a:endParaRPr lang="en-US"/>
           </a:p>
@@ -14929,7 +14310,7 @@
           <a:p>
             <a:fld id="{162F6683-1C67-4E39-A959-4456C0D4AE2A}" type="datetime1">
               <a:rPr lang="en-US" smtClean="0"/>
-              <a:t>8/22/2020</a:t>
+              <a:t>8/23/2020</a:t>
             </a:fld>
             <a:endParaRPr lang="en-US"/>
           </a:p>
@@ -15114,7 +14495,7 @@
           <a:p>
             <a:fld id="{162F6683-1C67-4E39-A959-4456C0D4AE2A}" type="datetime1">
               <a:rPr lang="en-US" smtClean="0"/>
-              <a:t>8/22/2020</a:t>
+              <a:t>8/23/2020</a:t>
             </a:fld>
             <a:endParaRPr lang="en-US"/>
           </a:p>
@@ -15285,7 +14666,7 @@
           <a:p>
             <a:fld id="{193EA05E-BD45-4919-99DB-A78FB0833848}" type="datetime1">
               <a:rPr lang="en-US" smtClean="0"/>
-              <a:t>8/22/2020</a:t>
+              <a:t>8/23/2020</a:t>
             </a:fld>
             <a:endParaRPr lang="en-US"/>
           </a:p>
@@ -15577,7 +14958,7 @@
           <a:p>
             <a:fld id="{E7A7852A-2741-47B5-8097-41C030B1FD47}" type="datetime1">
               <a:rPr lang="en-US" smtClean="0"/>
-              <a:t>8/22/2020</a:t>
+              <a:t>8/23/2020</a:t>
             </a:fld>
             <a:endParaRPr lang="en-US"/>
           </a:p>
@@ -15752,7 +15133,7 @@
           <a:p>
             <a:fld id="{162F6683-1C67-4E39-A959-4456C0D4AE2A}" type="datetime1">
               <a:rPr lang="en-US" smtClean="0"/>
-              <a:t>8/22/2020</a:t>
+              <a:t>8/23/2020</a:t>
             </a:fld>
             <a:endParaRPr lang="en-US"/>
           </a:p>
@@ -16003,7 +15384,7 @@
           <a:p>
             <a:fld id="{23D580C9-8373-423E-8F56-694886A4D76B}" type="datetime1">
               <a:rPr lang="en-US" smtClean="0"/>
-              <a:t>8/22/2020</a:t>
+              <a:t>8/23/2020</a:t>
             </a:fld>
             <a:endParaRPr lang="en-US"/>
           </a:p>
@@ -16240,7 +15621,7 @@
           <a:p>
             <a:fld id="{162F6683-1C67-4E39-A959-4456C0D4AE2A}" type="datetime1">
               <a:rPr lang="en-US" smtClean="0"/>
-              <a:t>8/22/2020</a:t>
+              <a:t>8/23/2020</a:t>
             </a:fld>
             <a:endParaRPr lang="en-US"/>
           </a:p>
@@ -16626,7 +16007,7 @@
           <a:p>
             <a:fld id="{162F6683-1C67-4E39-A959-4456C0D4AE2A}" type="datetime1">
               <a:rPr lang="en-US" smtClean="0"/>
-              <a:t>8/22/2020</a:t>
+              <a:t>8/23/2020</a:t>
             </a:fld>
             <a:endParaRPr lang="en-US"/>
           </a:p>
@@ -16745,7 +16126,7 @@
           <a:p>
             <a:fld id="{A074E4A5-D8EA-4380-A03C-6D25694F5C9C}" type="datetime1">
               <a:rPr lang="en-US" smtClean="0"/>
-              <a:t>8/22/2020</a:t>
+              <a:t>8/23/2020</a:t>
             </a:fld>
             <a:endParaRPr lang="en-US"/>
           </a:p>
@@ -16840,7 +16221,7 @@
           <a:p>
             <a:fld id="{D3217F11-3A91-426C-A3A4-DBAEB6ADC87A}" type="datetime1">
               <a:rPr lang="en-US" smtClean="0"/>
-              <a:t>8/22/2020</a:t>
+              <a:t>8/23/2020</a:t>
             </a:fld>
             <a:endParaRPr lang="en-US"/>
           </a:p>
@@ -17093,7 +16474,7 @@
           <a:p>
             <a:fld id="{162F6683-1C67-4E39-A959-4456C0D4AE2A}" type="datetime1">
               <a:rPr lang="en-US" smtClean="0"/>
-              <a:t>8/22/2020</a:t>
+              <a:t>8/23/2020</a:t>
             </a:fld>
             <a:endParaRPr lang="en-US"/>
           </a:p>
@@ -17363,7 +16744,7 @@
           <a:p>
             <a:fld id="{B85CDE03-E9EC-4BB0-8047-A460395382FC}" type="datetime1">
               <a:rPr lang="en-US" smtClean="0"/>
-              <a:t>8/22/2020</a:t>
+              <a:t>8/23/2020</a:t>
             </a:fld>
             <a:endParaRPr lang="en-US"/>
           </a:p>
@@ -17766,7 +17147,7 @@
           <a:p>
             <a:fld id="{162F6683-1C67-4E39-A959-4456C0D4AE2A}" type="datetime1">
               <a:rPr lang="en-US" smtClean="0"/>
-              <a:t>8/22/2020</a:t>
+              <a:t>8/23/2020</a:t>
             </a:fld>
             <a:endParaRPr lang="en-US"/>
           </a:p>
@@ -18515,839 +17896,6 @@
       </p:grpSpPr>
       <p:sp>
         <p:nvSpPr>
-          <p:cNvPr id="2" name="Rectangle 1">
-            <a:extLst>
-              <a:ext uri="{FF2B5EF4-FFF2-40B4-BE49-F238E27FC236}">
-                <a16:creationId xmlns:a16="http://schemas.microsoft.com/office/drawing/2014/main" id="{CDA3174E-790A-4ABB-AB31-1B21145B526B}"/>
-              </a:ext>
-            </a:extLst>
-          </p:cNvPr>
-          <p:cNvSpPr/>
-          <p:nvPr/>
-        </p:nvSpPr>
-        <p:spPr>
-          <a:xfrm>
-            <a:off x="5282512" y="416141"/>
-            <a:ext cx="6172069" cy="4800598"/>
-          </a:xfrm>
-          <a:prstGeom prst="rect">
-            <a:avLst/>
-          </a:prstGeom>
-        </p:spPr>
-        <p:style>
-          <a:lnRef idx="2">
-            <a:schemeClr val="accent1">
-              <a:shade val="50000"/>
-            </a:schemeClr>
-          </a:lnRef>
-          <a:fillRef idx="1">
-            <a:schemeClr val="accent1"/>
-          </a:fillRef>
-          <a:effectRef idx="0">
-            <a:schemeClr val="accent1"/>
-          </a:effectRef>
-          <a:fontRef idx="minor">
-            <a:schemeClr val="lt1"/>
-          </a:fontRef>
-        </p:style>
-        <p:txBody>
-          <a:bodyPr vert="horz" lIns="91440" tIns="45720" rIns="91440" bIns="45720" rtlCol="0" anchor="ctr">
-            <a:normAutofit/>
-          </a:bodyPr>
-          <a:lstStyle/>
-          <a:p>
-            <a:pPr>
-              <a:spcBef>
-                <a:spcPct val="0"/>
-              </a:spcBef>
-              <a:spcAft>
-                <a:spcPts val="600"/>
-              </a:spcAft>
-            </a:pPr>
-            <a:r>
-              <a:rPr lang="en-US" sz="7200" b="0" i="0" kern="1200" dirty="0">
-                <a:solidFill>
-                  <a:schemeClr val="tx1"/>
-                </a:solidFill>
-                <a:latin typeface="+mj-lt"/>
-                <a:ea typeface="+mj-ea"/>
-                <a:cs typeface="+mj-cs"/>
-              </a:rPr>
-              <a:t>Graphical User Interface</a:t>
-            </a:r>
-          </a:p>
-        </p:txBody>
-      </p:sp>
-    </p:spTree>
-    <p:extLst>
-      <p:ext uri="{BB962C8B-B14F-4D97-AF65-F5344CB8AC3E}">
-        <p14:creationId xmlns:p14="http://schemas.microsoft.com/office/powerpoint/2010/main" val="1186557500"/>
-      </p:ext>
-    </p:extLst>
-  </p:cSld>
-  <p:clrMapOvr>
-    <a:masterClrMapping/>
-  </p:clrMapOvr>
-</p:sld>
-</file>
-
-<file path=ppt/slides/slide11.xml><?xml version="1.0" encoding="utf-8"?>
-<p:sld xmlns:a="http://schemas.openxmlformats.org/drawingml/2006/main" xmlns:r="http://schemas.openxmlformats.org/officeDocument/2006/relationships" xmlns:p="http://schemas.openxmlformats.org/presentationml/2006/main">
-  <p:cSld>
-    <p:bg>
-      <p:bgPr>
-        <a:solidFill>
-          <a:schemeClr val="bg1"/>
-        </a:solidFill>
-        <a:effectLst/>
-      </p:bgPr>
-    </p:bg>
-    <p:spTree>
-      <p:nvGrpSpPr>
-        <p:cNvPr id="1" name=""/>
-        <p:cNvGrpSpPr/>
-        <p:nvPr/>
-      </p:nvGrpSpPr>
-      <p:grpSpPr>
-        <a:xfrm>
-          <a:off x="0" y="0"/>
-          <a:ext cx="0" cy="0"/>
-          <a:chOff x="0" y="0"/>
-          <a:chExt cx="0" cy="0"/>
-        </a:xfrm>
-      </p:grpSpPr>
-      <p:sp>
-        <p:nvSpPr>
-          <p:cNvPr id="2" name="Title 1">
-            <a:extLst>
-              <a:ext uri="{FF2B5EF4-FFF2-40B4-BE49-F238E27FC236}">
-                <a16:creationId xmlns:a16="http://schemas.microsoft.com/office/drawing/2014/main" id="{ECE64001-7CAB-41A2-9745-C7F97CCEBBB5}"/>
-              </a:ext>
-            </a:extLst>
-          </p:cNvPr>
-          <p:cNvSpPr>
-            <a:spLocks noGrp="1"/>
-          </p:cNvSpPr>
-          <p:nvPr>
-            <p:ph type="title"/>
-          </p:nvPr>
-        </p:nvSpPr>
-        <p:spPr>
-          <a:xfrm>
-            <a:off x="636916" y="4854346"/>
-            <a:ext cx="9149350" cy="868026"/>
-          </a:xfrm>
-        </p:spPr>
-        <p:txBody>
-          <a:bodyPr vert="horz" lIns="91440" tIns="45720" rIns="91440" bIns="45720" rtlCol="0" anchor="b">
-            <a:normAutofit/>
-          </a:bodyPr>
-          <a:lstStyle/>
-          <a:p>
-            <a:r>
-              <a:rPr lang="en-US" sz="4800" b="0" i="0" kern="1200" dirty="0">
-                <a:solidFill>
-                  <a:srgbClr val="EBEBEB"/>
-                </a:solidFill>
-                <a:latin typeface="+mj-lt"/>
-                <a:ea typeface="+mj-ea"/>
-                <a:cs typeface="+mj-cs"/>
-              </a:rPr>
-              <a:t> Login Page</a:t>
-            </a:r>
-          </a:p>
-        </p:txBody>
-      </p:sp>
-      <p:pic>
-        <p:nvPicPr>
-          <p:cNvPr id="5" name="Content Placeholder 4" descr="A screenshot of a cell phone&#10;&#10;Description automatically generated">
-            <a:extLst>
-              <a:ext uri="{FF2B5EF4-FFF2-40B4-BE49-F238E27FC236}">
-                <a16:creationId xmlns:a16="http://schemas.microsoft.com/office/drawing/2014/main" id="{72FCB205-C20B-4789-AE2C-94C1034D1431}"/>
-              </a:ext>
-            </a:extLst>
-          </p:cNvPr>
-          <p:cNvPicPr>
-            <a:picLocks noGrp="1" noChangeAspect="1"/>
-          </p:cNvPicPr>
-          <p:nvPr>
-            <p:ph idx="1"/>
-          </p:nvPr>
-        </p:nvPicPr>
-        <p:blipFill>
-          <a:blip r:embed="rId2">
-            <a:extLst>
-              <a:ext uri="{28A0092B-C50C-407E-A947-70E740481C1C}">
-                <a14:useLocalDpi xmlns:a14="http://schemas.microsoft.com/office/drawing/2010/main" val="0"/>
-              </a:ext>
-            </a:extLst>
-          </a:blip>
-          <a:stretch>
-            <a:fillRect/>
-          </a:stretch>
-        </p:blipFill>
-        <p:spPr>
-          <a:xfrm>
-            <a:off x="2695077" y="1208251"/>
-            <a:ext cx="6361051" cy="3291844"/>
-          </a:xfrm>
-          <a:prstGeom prst="rect">
-            <a:avLst/>
-          </a:prstGeom>
-          <a:effectLst/>
-        </p:spPr>
-      </p:pic>
-    </p:spTree>
-    <p:extLst>
-      <p:ext uri="{BB962C8B-B14F-4D97-AF65-F5344CB8AC3E}">
-        <p14:creationId xmlns:p14="http://schemas.microsoft.com/office/powerpoint/2010/main" val="330920769"/>
-      </p:ext>
-    </p:extLst>
-  </p:cSld>
-  <p:clrMapOvr>
-    <a:overrideClrMapping bg1="lt1" tx1="dk1" bg2="lt2" tx2="dk2" accent1="accent1" accent2="accent2" accent3="accent3" accent4="accent4" accent5="accent5" accent6="accent6" hlink="hlink" folHlink="folHlink"/>
-  </p:clrMapOvr>
-</p:sld>
-</file>
-
-<file path=ppt/slides/slide12.xml><?xml version="1.0" encoding="utf-8"?>
-<p:sld xmlns:a="http://schemas.openxmlformats.org/drawingml/2006/main" xmlns:r="http://schemas.openxmlformats.org/officeDocument/2006/relationships" xmlns:p="http://schemas.openxmlformats.org/presentationml/2006/main">
-  <p:cSld>
-    <p:bg>
-      <p:bgPr>
-        <a:solidFill>
-          <a:schemeClr val="bg1"/>
-        </a:solidFill>
-        <a:effectLst/>
-      </p:bgPr>
-    </p:bg>
-    <p:spTree>
-      <p:nvGrpSpPr>
-        <p:cNvPr id="1" name=""/>
-        <p:cNvGrpSpPr/>
-        <p:nvPr/>
-      </p:nvGrpSpPr>
-      <p:grpSpPr>
-        <a:xfrm>
-          <a:off x="0" y="0"/>
-          <a:ext cx="0" cy="0"/>
-          <a:chOff x="0" y="0"/>
-          <a:chExt cx="0" cy="0"/>
-        </a:xfrm>
-      </p:grpSpPr>
-      <p:sp>
-        <p:nvSpPr>
-          <p:cNvPr id="2" name="Title 1">
-            <a:extLst>
-              <a:ext uri="{FF2B5EF4-FFF2-40B4-BE49-F238E27FC236}">
-                <a16:creationId xmlns:a16="http://schemas.microsoft.com/office/drawing/2014/main" id="{3B7933DB-1CBE-43F0-872F-535AB33199E5}"/>
-              </a:ext>
-            </a:extLst>
-          </p:cNvPr>
-          <p:cNvSpPr>
-            <a:spLocks noGrp="1"/>
-          </p:cNvSpPr>
-          <p:nvPr>
-            <p:ph type="title"/>
-          </p:nvPr>
-        </p:nvSpPr>
-        <p:spPr>
-          <a:xfrm>
-            <a:off x="636916" y="4371849"/>
-            <a:ext cx="9149350" cy="1350523"/>
-          </a:xfrm>
-        </p:spPr>
-        <p:txBody>
-          <a:bodyPr vert="horz" lIns="91440" tIns="45720" rIns="91440" bIns="45720" rtlCol="0" anchor="b">
-            <a:normAutofit/>
-          </a:bodyPr>
-          <a:lstStyle/>
-          <a:p>
-            <a:r>
-              <a:rPr lang="en-US" sz="5600" b="0" i="0" kern="1200">
-                <a:solidFill>
-                  <a:srgbClr val="EBEBEB"/>
-                </a:solidFill>
-                <a:latin typeface="+mj-lt"/>
-                <a:ea typeface="+mj-ea"/>
-                <a:cs typeface="+mj-cs"/>
-              </a:rPr>
-              <a:t>Order Confirmation page</a:t>
-            </a:r>
-          </a:p>
-        </p:txBody>
-      </p:sp>
-      <p:pic>
-        <p:nvPicPr>
-          <p:cNvPr id="5" name="Content Placeholder 4" descr="A screenshot of a cell phone&#10;&#10;Description automatically generated">
-            <a:extLst>
-              <a:ext uri="{FF2B5EF4-FFF2-40B4-BE49-F238E27FC236}">
-                <a16:creationId xmlns:a16="http://schemas.microsoft.com/office/drawing/2014/main" id="{4E16C75C-A6BC-44C5-910A-E51750CCC9B4}"/>
-              </a:ext>
-            </a:extLst>
-          </p:cNvPr>
-          <p:cNvPicPr>
-            <a:picLocks noGrp="1" noChangeAspect="1"/>
-          </p:cNvPicPr>
-          <p:nvPr>
-            <p:ph idx="1"/>
-          </p:nvPr>
-        </p:nvPicPr>
-        <p:blipFill>
-          <a:blip r:embed="rId2">
-            <a:extLst>
-              <a:ext uri="{28A0092B-C50C-407E-A947-70E740481C1C}">
-                <a14:useLocalDpi xmlns:a14="http://schemas.microsoft.com/office/drawing/2010/main" val="0"/>
-              </a:ext>
-            </a:extLst>
-          </a:blip>
-          <a:stretch>
-            <a:fillRect/>
-          </a:stretch>
-        </p:blipFill>
-        <p:spPr>
-          <a:xfrm>
-            <a:off x="635458" y="841549"/>
-            <a:ext cx="9150807" cy="2607979"/>
-          </a:xfrm>
-          <a:prstGeom prst="rect">
-            <a:avLst/>
-          </a:prstGeom>
-          <a:effectLst/>
-        </p:spPr>
-      </p:pic>
-    </p:spTree>
-    <p:extLst>
-      <p:ext uri="{BB962C8B-B14F-4D97-AF65-F5344CB8AC3E}">
-        <p14:creationId xmlns:p14="http://schemas.microsoft.com/office/powerpoint/2010/main" val="4129737638"/>
-      </p:ext>
-    </p:extLst>
-  </p:cSld>
-  <p:clrMapOvr>
-    <a:overrideClrMapping bg1="lt1" tx1="dk1" bg2="lt2" tx2="dk2" accent1="accent1" accent2="accent2" accent3="accent3" accent4="accent4" accent5="accent5" accent6="accent6" hlink="hlink" folHlink="folHlink"/>
-  </p:clrMapOvr>
-</p:sld>
-</file>
-
-<file path=ppt/slides/slide13.xml><?xml version="1.0" encoding="utf-8"?>
-<p:sld xmlns:a="http://schemas.openxmlformats.org/drawingml/2006/main" xmlns:r="http://schemas.openxmlformats.org/officeDocument/2006/relationships" xmlns:p="http://schemas.openxmlformats.org/presentationml/2006/main">
-  <p:cSld>
-    <p:bg>
-      <p:bgPr>
-        <a:solidFill>
-          <a:schemeClr val="bg1"/>
-        </a:solidFill>
-        <a:effectLst/>
-      </p:bgPr>
-    </p:bg>
-    <p:spTree>
-      <p:nvGrpSpPr>
-        <p:cNvPr id="1" name=""/>
-        <p:cNvGrpSpPr/>
-        <p:nvPr/>
-      </p:nvGrpSpPr>
-      <p:grpSpPr>
-        <a:xfrm>
-          <a:off x="0" y="0"/>
-          <a:ext cx="0" cy="0"/>
-          <a:chOff x="0" y="0"/>
-          <a:chExt cx="0" cy="0"/>
-        </a:xfrm>
-      </p:grpSpPr>
-      <p:sp>
-        <p:nvSpPr>
-          <p:cNvPr id="2" name="Title 1">
-            <a:extLst>
-              <a:ext uri="{FF2B5EF4-FFF2-40B4-BE49-F238E27FC236}">
-                <a16:creationId xmlns:a16="http://schemas.microsoft.com/office/drawing/2014/main" id="{FD98285A-D4C6-471D-AB0E-800ABB061503}"/>
-              </a:ext>
-            </a:extLst>
-          </p:cNvPr>
-          <p:cNvSpPr>
-            <a:spLocks noGrp="1"/>
-          </p:cNvSpPr>
-          <p:nvPr>
-            <p:ph type="title"/>
-          </p:nvPr>
-        </p:nvSpPr>
-        <p:spPr>
-          <a:xfrm>
-            <a:off x="636916" y="4371849"/>
-            <a:ext cx="9149350" cy="1350523"/>
-          </a:xfrm>
-        </p:spPr>
-        <p:txBody>
-          <a:bodyPr vert="horz" lIns="91440" tIns="45720" rIns="91440" bIns="45720" rtlCol="0" anchor="b">
-            <a:normAutofit/>
-          </a:bodyPr>
-          <a:lstStyle/>
-          <a:p>
-            <a:r>
-              <a:rPr lang="en-US" sz="6000" b="0" i="0" kern="1200">
-                <a:solidFill>
-                  <a:srgbClr val="EBEBEB"/>
-                </a:solidFill>
-                <a:latin typeface="+mj-lt"/>
-                <a:ea typeface="+mj-ea"/>
-                <a:cs typeface="+mj-cs"/>
-              </a:rPr>
-              <a:t>Payment process page</a:t>
-            </a:r>
-          </a:p>
-        </p:txBody>
-      </p:sp>
-      <p:pic>
-        <p:nvPicPr>
-          <p:cNvPr id="5" name="Content Placeholder 4" descr="A screenshot of a cell phone&#10;&#10;Description automatically generated">
-            <a:extLst>
-              <a:ext uri="{FF2B5EF4-FFF2-40B4-BE49-F238E27FC236}">
-                <a16:creationId xmlns:a16="http://schemas.microsoft.com/office/drawing/2014/main" id="{3586176A-1FB7-4C7F-889D-4365F8C273B7}"/>
-              </a:ext>
-            </a:extLst>
-          </p:cNvPr>
-          <p:cNvPicPr>
-            <a:picLocks noGrp="1" noChangeAspect="1"/>
-          </p:cNvPicPr>
-          <p:nvPr>
-            <p:ph idx="1"/>
-          </p:nvPr>
-        </p:nvPicPr>
-        <p:blipFill>
-          <a:blip r:embed="rId2">
-            <a:extLst>
-              <a:ext uri="{28A0092B-C50C-407E-A947-70E740481C1C}">
-                <a14:useLocalDpi xmlns:a14="http://schemas.microsoft.com/office/drawing/2010/main" val="0"/>
-              </a:ext>
-            </a:extLst>
-          </a:blip>
-          <a:stretch>
-            <a:fillRect/>
-          </a:stretch>
-        </p:blipFill>
-        <p:spPr>
-          <a:xfrm>
-            <a:off x="635458" y="887303"/>
-            <a:ext cx="9150807" cy="2562225"/>
-          </a:xfrm>
-          <a:prstGeom prst="rect">
-            <a:avLst/>
-          </a:prstGeom>
-          <a:effectLst/>
-        </p:spPr>
-      </p:pic>
-    </p:spTree>
-    <p:extLst>
-      <p:ext uri="{BB962C8B-B14F-4D97-AF65-F5344CB8AC3E}">
-        <p14:creationId xmlns:p14="http://schemas.microsoft.com/office/powerpoint/2010/main" val="288749643"/>
-      </p:ext>
-    </p:extLst>
-  </p:cSld>
-  <p:clrMapOvr>
-    <a:overrideClrMapping bg1="lt1" tx1="dk1" bg2="lt2" tx2="dk2" accent1="accent1" accent2="accent2" accent3="accent3" accent4="accent4" accent5="accent5" accent6="accent6" hlink="hlink" folHlink="folHlink"/>
-  </p:clrMapOvr>
-</p:sld>
-</file>
-
-<file path=ppt/slides/slide14.xml><?xml version="1.0" encoding="utf-8"?>
-<p:sld xmlns:a="http://schemas.openxmlformats.org/drawingml/2006/main" xmlns:r="http://schemas.openxmlformats.org/officeDocument/2006/relationships" xmlns:p="http://schemas.openxmlformats.org/presentationml/2006/main">
-  <p:cSld>
-    <p:bg>
-      <p:bgPr>
-        <a:solidFill>
-          <a:schemeClr val="bg1"/>
-        </a:solidFill>
-        <a:effectLst/>
-      </p:bgPr>
-    </p:bg>
-    <p:spTree>
-      <p:nvGrpSpPr>
-        <p:cNvPr id="1" name=""/>
-        <p:cNvGrpSpPr/>
-        <p:nvPr/>
-      </p:nvGrpSpPr>
-      <p:grpSpPr>
-        <a:xfrm>
-          <a:off x="0" y="0"/>
-          <a:ext cx="0" cy="0"/>
-          <a:chOff x="0" y="0"/>
-          <a:chExt cx="0" cy="0"/>
-        </a:xfrm>
-      </p:grpSpPr>
-      <p:sp>
-        <p:nvSpPr>
-          <p:cNvPr id="2" name="Title 1">
-            <a:extLst>
-              <a:ext uri="{FF2B5EF4-FFF2-40B4-BE49-F238E27FC236}">
-                <a16:creationId xmlns:a16="http://schemas.microsoft.com/office/drawing/2014/main" id="{C46D578D-0599-4C41-93A8-5A582D2759C6}"/>
-              </a:ext>
-            </a:extLst>
-          </p:cNvPr>
-          <p:cNvSpPr>
-            <a:spLocks noGrp="1"/>
-          </p:cNvSpPr>
-          <p:nvPr>
-            <p:ph type="title"/>
-          </p:nvPr>
-        </p:nvSpPr>
-        <p:spPr>
-          <a:xfrm>
-            <a:off x="636916" y="4371849"/>
-            <a:ext cx="9149350" cy="1350523"/>
-          </a:xfrm>
-        </p:spPr>
-        <p:txBody>
-          <a:bodyPr vert="horz" lIns="91440" tIns="45720" rIns="91440" bIns="45720" rtlCol="0" anchor="b">
-            <a:normAutofit/>
-          </a:bodyPr>
-          <a:lstStyle/>
-          <a:p>
-            <a:r>
-              <a:rPr lang="en-US" sz="6000" b="0" i="0" kern="1200">
-                <a:solidFill>
-                  <a:srgbClr val="EBEBEB"/>
-                </a:solidFill>
-                <a:latin typeface="+mj-lt"/>
-                <a:ea typeface="+mj-ea"/>
-                <a:cs typeface="+mj-cs"/>
-              </a:rPr>
-              <a:t>Payment process</a:t>
-            </a:r>
-          </a:p>
-        </p:txBody>
-      </p:sp>
-      <p:pic>
-        <p:nvPicPr>
-          <p:cNvPr id="5" name="Content Placeholder 4" descr="A screenshot of a cell phone&#10;&#10;Description automatically generated">
-            <a:extLst>
-              <a:ext uri="{FF2B5EF4-FFF2-40B4-BE49-F238E27FC236}">
-                <a16:creationId xmlns:a16="http://schemas.microsoft.com/office/drawing/2014/main" id="{A0522DDA-316A-4A02-AEA8-B9503F72DA67}"/>
-              </a:ext>
-            </a:extLst>
-          </p:cNvPr>
-          <p:cNvPicPr>
-            <a:picLocks noGrp="1" noChangeAspect="1"/>
-          </p:cNvPicPr>
-          <p:nvPr>
-            <p:ph idx="1"/>
-          </p:nvPr>
-        </p:nvPicPr>
-        <p:blipFill>
-          <a:blip r:embed="rId2">
-            <a:extLst>
-              <a:ext uri="{28A0092B-C50C-407E-A947-70E740481C1C}">
-                <a14:useLocalDpi xmlns:a14="http://schemas.microsoft.com/office/drawing/2010/main" val="0"/>
-              </a:ext>
-            </a:extLst>
-          </a:blip>
-          <a:stretch>
-            <a:fillRect/>
-          </a:stretch>
-        </p:blipFill>
-        <p:spPr>
-          <a:xfrm>
-            <a:off x="635458" y="887303"/>
-            <a:ext cx="9150807" cy="2562225"/>
-          </a:xfrm>
-          <a:prstGeom prst="rect">
-            <a:avLst/>
-          </a:prstGeom>
-          <a:effectLst/>
-        </p:spPr>
-      </p:pic>
-    </p:spTree>
-    <p:extLst>
-      <p:ext uri="{BB962C8B-B14F-4D97-AF65-F5344CB8AC3E}">
-        <p14:creationId xmlns:p14="http://schemas.microsoft.com/office/powerpoint/2010/main" val="3899428931"/>
-      </p:ext>
-    </p:extLst>
-  </p:cSld>
-  <p:clrMapOvr>
-    <a:overrideClrMapping bg1="lt1" tx1="dk1" bg2="lt2" tx2="dk2" accent1="accent1" accent2="accent2" accent3="accent3" accent4="accent4" accent5="accent5" accent6="accent6" hlink="hlink" folHlink="folHlink"/>
-  </p:clrMapOvr>
-</p:sld>
-</file>
-
-<file path=ppt/slides/slide15.xml><?xml version="1.0" encoding="utf-8"?>
-<p:sld xmlns:a="http://schemas.openxmlformats.org/drawingml/2006/main" xmlns:r="http://schemas.openxmlformats.org/officeDocument/2006/relationships" xmlns:p="http://schemas.openxmlformats.org/presentationml/2006/main">
-  <p:cSld>
-    <p:bg>
-      <p:bgPr>
-        <a:solidFill>
-          <a:schemeClr val="bg1"/>
-        </a:solidFill>
-        <a:effectLst/>
-      </p:bgPr>
-    </p:bg>
-    <p:spTree>
-      <p:nvGrpSpPr>
-        <p:cNvPr id="1" name=""/>
-        <p:cNvGrpSpPr/>
-        <p:nvPr/>
-      </p:nvGrpSpPr>
-      <p:grpSpPr>
-        <a:xfrm>
-          <a:off x="0" y="0"/>
-          <a:ext cx="0" cy="0"/>
-          <a:chOff x="0" y="0"/>
-          <a:chExt cx="0" cy="0"/>
-        </a:xfrm>
-      </p:grpSpPr>
-      <p:sp>
-        <p:nvSpPr>
-          <p:cNvPr id="2" name="Title 1">
-            <a:extLst>
-              <a:ext uri="{FF2B5EF4-FFF2-40B4-BE49-F238E27FC236}">
-                <a16:creationId xmlns:a16="http://schemas.microsoft.com/office/drawing/2014/main" id="{789C41FA-B5FC-40A2-B6DF-CDB5D674C8E1}"/>
-              </a:ext>
-            </a:extLst>
-          </p:cNvPr>
-          <p:cNvSpPr>
-            <a:spLocks noGrp="1"/>
-          </p:cNvSpPr>
-          <p:nvPr>
-            <p:ph type="title"/>
-          </p:nvPr>
-        </p:nvSpPr>
-        <p:spPr>
-          <a:xfrm>
-            <a:off x="636916" y="4371849"/>
-            <a:ext cx="9149350" cy="1350523"/>
-          </a:xfrm>
-        </p:spPr>
-        <p:txBody>
-          <a:bodyPr vert="horz" lIns="91440" tIns="45720" rIns="91440" bIns="45720" rtlCol="0" anchor="b">
-            <a:normAutofit/>
-          </a:bodyPr>
-          <a:lstStyle/>
-          <a:p>
-            <a:r>
-              <a:rPr lang="en-US" sz="6000" b="0" i="0" kern="1200">
-                <a:solidFill>
-                  <a:srgbClr val="EBEBEB"/>
-                </a:solidFill>
-                <a:latin typeface="+mj-lt"/>
-                <a:ea typeface="+mj-ea"/>
-                <a:cs typeface="+mj-cs"/>
-              </a:rPr>
-              <a:t>Payment Page</a:t>
-            </a:r>
-          </a:p>
-        </p:txBody>
-      </p:sp>
-      <p:pic>
-        <p:nvPicPr>
-          <p:cNvPr id="5" name="Content Placeholder 4" descr="A screenshot of a cell phone&#10;&#10;Description automatically generated">
-            <a:extLst>
-              <a:ext uri="{FF2B5EF4-FFF2-40B4-BE49-F238E27FC236}">
-                <a16:creationId xmlns:a16="http://schemas.microsoft.com/office/drawing/2014/main" id="{8FAE68C0-DF3A-4C50-BC24-9AAB50C4E1A7}"/>
-              </a:ext>
-            </a:extLst>
-          </p:cNvPr>
-          <p:cNvPicPr>
-            <a:picLocks noGrp="1" noChangeAspect="1"/>
-          </p:cNvPicPr>
-          <p:nvPr>
-            <p:ph idx="1"/>
-          </p:nvPr>
-        </p:nvPicPr>
-        <p:blipFill>
-          <a:blip r:embed="rId2">
-            <a:extLst>
-              <a:ext uri="{28A0092B-C50C-407E-A947-70E740481C1C}">
-                <a14:useLocalDpi xmlns:a14="http://schemas.microsoft.com/office/drawing/2010/main" val="0"/>
-              </a:ext>
-            </a:extLst>
-          </a:blip>
-          <a:stretch>
-            <a:fillRect/>
-          </a:stretch>
-        </p:blipFill>
-        <p:spPr>
-          <a:xfrm>
-            <a:off x="635458" y="1367719"/>
-            <a:ext cx="9150807" cy="2081808"/>
-          </a:xfrm>
-          <a:prstGeom prst="rect">
-            <a:avLst/>
-          </a:prstGeom>
-          <a:effectLst/>
-        </p:spPr>
-      </p:pic>
-    </p:spTree>
-    <p:extLst>
-      <p:ext uri="{BB962C8B-B14F-4D97-AF65-F5344CB8AC3E}">
-        <p14:creationId xmlns:p14="http://schemas.microsoft.com/office/powerpoint/2010/main" val="2242375447"/>
-      </p:ext>
-    </p:extLst>
-  </p:cSld>
-  <p:clrMapOvr>
-    <a:overrideClrMapping bg1="lt1" tx1="dk1" bg2="lt2" tx2="dk2" accent1="accent1" accent2="accent2" accent3="accent3" accent4="accent4" accent5="accent5" accent6="accent6" hlink="hlink" folHlink="folHlink"/>
-  </p:clrMapOvr>
-</p:sld>
-</file>
-
-<file path=ppt/slides/slide16.xml><?xml version="1.0" encoding="utf-8"?>
-<p:sld xmlns:a="http://schemas.openxmlformats.org/drawingml/2006/main" xmlns:r="http://schemas.openxmlformats.org/officeDocument/2006/relationships" xmlns:p="http://schemas.openxmlformats.org/presentationml/2006/main">
-  <p:cSld>
-    <p:bg>
-      <p:bgPr>
-        <a:solidFill>
-          <a:schemeClr val="bg1"/>
-        </a:solidFill>
-        <a:effectLst/>
-      </p:bgPr>
-    </p:bg>
-    <p:spTree>
-      <p:nvGrpSpPr>
-        <p:cNvPr id="1" name=""/>
-        <p:cNvGrpSpPr/>
-        <p:nvPr/>
-      </p:nvGrpSpPr>
-      <p:grpSpPr>
-        <a:xfrm>
-          <a:off x="0" y="0"/>
-          <a:ext cx="0" cy="0"/>
-          <a:chOff x="0" y="0"/>
-          <a:chExt cx="0" cy="0"/>
-        </a:xfrm>
-      </p:grpSpPr>
-      <p:sp>
-        <p:nvSpPr>
-          <p:cNvPr id="2" name="Title 1">
-            <a:extLst>
-              <a:ext uri="{FF2B5EF4-FFF2-40B4-BE49-F238E27FC236}">
-                <a16:creationId xmlns:a16="http://schemas.microsoft.com/office/drawing/2014/main" id="{2280DFDE-0E6B-4D14-AB6A-9B3F042F816D}"/>
-              </a:ext>
-            </a:extLst>
-          </p:cNvPr>
-          <p:cNvSpPr>
-            <a:spLocks noGrp="1"/>
-          </p:cNvSpPr>
-          <p:nvPr>
-            <p:ph type="title"/>
-          </p:nvPr>
-        </p:nvSpPr>
-        <p:spPr>
-          <a:xfrm>
-            <a:off x="636916" y="4371849"/>
-            <a:ext cx="9149350" cy="1350523"/>
-          </a:xfrm>
-        </p:spPr>
-        <p:txBody>
-          <a:bodyPr vert="horz" lIns="91440" tIns="45720" rIns="91440" bIns="45720" rtlCol="0" anchor="b">
-            <a:normAutofit/>
-          </a:bodyPr>
-          <a:lstStyle/>
-          <a:p>
-            <a:r>
-              <a:rPr lang="en-US" sz="6000" b="0" i="0" kern="1200">
-                <a:solidFill>
-                  <a:srgbClr val="EBEBEB"/>
-                </a:solidFill>
-                <a:latin typeface="+mj-lt"/>
-                <a:ea typeface="+mj-ea"/>
-                <a:cs typeface="+mj-cs"/>
-              </a:rPr>
-              <a:t>Receipt Page</a:t>
-            </a:r>
-          </a:p>
-        </p:txBody>
-      </p:sp>
-      <p:pic>
-        <p:nvPicPr>
-          <p:cNvPr id="5" name="Content Placeholder 4" descr="A screenshot of a cell phone&#10;&#10;Description automatically generated">
-            <a:extLst>
-              <a:ext uri="{FF2B5EF4-FFF2-40B4-BE49-F238E27FC236}">
-                <a16:creationId xmlns:a16="http://schemas.microsoft.com/office/drawing/2014/main" id="{840B6035-B462-4C8A-B43F-C12E80B192F0}"/>
-              </a:ext>
-            </a:extLst>
-          </p:cNvPr>
-          <p:cNvPicPr>
-            <a:picLocks noGrp="1" noChangeAspect="1"/>
-          </p:cNvPicPr>
-          <p:nvPr>
-            <p:ph idx="1"/>
-          </p:nvPr>
-        </p:nvPicPr>
-        <p:blipFill>
-          <a:blip r:embed="rId2">
-            <a:extLst>
-              <a:ext uri="{28A0092B-C50C-407E-A947-70E740481C1C}">
-                <a14:useLocalDpi xmlns:a14="http://schemas.microsoft.com/office/drawing/2010/main" val="0"/>
-              </a:ext>
-            </a:extLst>
-          </a:blip>
-          <a:stretch>
-            <a:fillRect/>
-          </a:stretch>
-        </p:blipFill>
-        <p:spPr>
-          <a:xfrm>
-            <a:off x="635458" y="640081"/>
-            <a:ext cx="8918879" cy="2809447"/>
-          </a:xfrm>
-          <a:prstGeom prst="rect">
-            <a:avLst/>
-          </a:prstGeom>
-          <a:effectLst/>
-        </p:spPr>
-      </p:pic>
-    </p:spTree>
-    <p:extLst>
-      <p:ext uri="{BB962C8B-B14F-4D97-AF65-F5344CB8AC3E}">
-        <p14:creationId xmlns:p14="http://schemas.microsoft.com/office/powerpoint/2010/main" val="2216595783"/>
-      </p:ext>
-    </p:extLst>
-  </p:cSld>
-  <p:clrMapOvr>
-    <a:overrideClrMapping bg1="lt1" tx1="dk1" bg2="lt2" tx2="dk2" accent1="accent1" accent2="accent2" accent3="accent3" accent4="accent4" accent5="accent5" accent6="accent6" hlink="hlink" folHlink="folHlink"/>
-  </p:clrMapOvr>
-</p:sld>
-</file>
-
-<file path=ppt/slides/slide17.xml><?xml version="1.0" encoding="utf-8"?>
-<p:sld xmlns:a="http://schemas.openxmlformats.org/drawingml/2006/main" xmlns:r="http://schemas.openxmlformats.org/officeDocument/2006/relationships" xmlns:p="http://schemas.openxmlformats.org/presentationml/2006/main">
-  <p:cSld>
-    <p:bg>
-      <p:bgPr>
-        <a:blipFill rotWithShape="1">
-          <a:blip r:embed="rId2">
-            <a:duotone>
-              <a:schemeClr val="bg2">
-                <a:shade val="69000"/>
-                <a:hueMod val="108000"/>
-                <a:satMod val="164000"/>
-                <a:lumMod val="74000"/>
-              </a:schemeClr>
-              <a:schemeClr val="bg2">
-                <a:tint val="96000"/>
-                <a:hueMod val="88000"/>
-                <a:satMod val="140000"/>
-                <a:lumMod val="132000"/>
-              </a:schemeClr>
-            </a:duotone>
-          </a:blip>
-          <a:stretch/>
-        </a:blipFill>
-        <a:effectLst/>
-      </p:bgPr>
-    </p:bg>
-    <p:spTree>
-      <p:nvGrpSpPr>
-        <p:cNvPr id="1" name=""/>
-        <p:cNvGrpSpPr/>
-        <p:nvPr/>
-      </p:nvGrpSpPr>
-      <p:grpSpPr>
-        <a:xfrm>
-          <a:off x="0" y="0"/>
-          <a:ext cx="0" cy="0"/>
-          <a:chOff x="0" y="0"/>
-          <a:chExt cx="0" cy="0"/>
-        </a:xfrm>
-      </p:grpSpPr>
-      <p:sp>
-        <p:nvSpPr>
           <p:cNvPr id="2" name="TextBox 1">
             <a:extLst>
               <a:ext uri="{FF2B5EF4-FFF2-40B4-BE49-F238E27FC236}">
@@ -19516,8 +18064,13 @@
           <a:p>
             <a:r>
               <a:rPr lang="en-US" dirty="0"/>
-              <a:t>Batch Code : B200129</a:t>
+              <a:t>Batch Code </a:t>
             </a:r>
+            <a:r>
+              <a:rPr lang="en-US"/>
+              <a:t>: B200128</a:t>
+            </a:r>
+            <a:endParaRPr lang="en-US" dirty="0"/>
           </a:p>
           <a:p>
             <a:r>
@@ -19528,19 +18081,32 @@
           <a:p>
             <a:r>
               <a:rPr lang="en-US" dirty="0"/>
-              <a:t> End Date: 30/08/2020</a:t>
+              <a:t> End Date: 23/08/2020</a:t>
             </a:r>
           </a:p>
           <a:p>
             <a:r>
               <a:rPr lang="en-US" dirty="0"/>
-              <a:t>Name of the Coordinator : INHUMATHI</a:t>
+              <a:t>Name of the Coordinator : </a:t>
             </a:r>
+            <a:r>
+              <a:rPr lang="en-US" dirty="0" err="1"/>
+              <a:t>INdHUMATHI</a:t>
+            </a:r>
+            <a:endParaRPr lang="en-US" dirty="0"/>
           </a:p>
           <a:p>
             <a:r>
               <a:rPr lang="en-US" dirty="0"/>
-              <a:t>Name of the Developer : KAARTHIK VG</a:t>
+              <a:t>Name of the Developer : </a:t>
+            </a:r>
+            <a:r>
+              <a:rPr lang="en-US" dirty="0" err="1"/>
+              <a:t>k.v.saairaam</a:t>
+            </a:r>
+            <a:r>
+              <a:rPr lang="en-US" dirty="0"/>
+              <a:t> prasad</a:t>
             </a:r>
           </a:p>
         </p:txBody>
@@ -20197,7 +18763,7 @@
         </p:nvSpPr>
         <p:spPr>
           <a:xfrm>
-            <a:off x="6170612" y="1033509"/>
+            <a:off x="6096000" y="864834"/>
             <a:ext cx="4876800" cy="3124200"/>
           </a:xfrm>
         </p:spPr>
@@ -20240,6 +18806,15 @@
             <a:r>
               <a:rPr lang="en-US" dirty="0"/>
               <a:t>Spring security</a:t>
+            </a:r>
+          </a:p>
+          <a:p>
+            <a:pPr marL="0" indent="0">
+              <a:buNone/>
+            </a:pPr>
+            <a:r>
+              <a:rPr lang="en-US" dirty="0"/>
+              <a:t>Google chrome</a:t>
             </a:r>
           </a:p>
           <a:p>
@@ -20505,7 +19080,7 @@
                 <a:ea typeface="+mj-ea"/>
                 <a:cs typeface="+mj-cs"/>
               </a:rPr>
-              <a:t>1.) Our System is an e-commerce website from where people can buy products online</a:t>
+              <a:t>1.) Our System is an e-commerce website from where people can buy watches online</a:t>
             </a:r>
           </a:p>
           <a:p>
@@ -20550,7 +19125,7 @@
                 <a:ea typeface="+mj-ea"/>
                 <a:cs typeface="+mj-cs"/>
               </a:rPr>
-              <a:t>2.) Admin monitors the activity of the users and checks the transaction.</a:t>
+              <a:t>2.) Admin monitors the activity of the users and also order details</a:t>
             </a:r>
           </a:p>
         </p:txBody>
@@ -20622,7 +19197,7 @@
           <p:nvPr>
             <p:extLst>
               <p:ext uri="{D42A27DB-BD31-4B8C-83A1-F6EECF244321}">
-                <p14:modId xmlns:p14="http://schemas.microsoft.com/office/powerpoint/2010/main" val="4042589187"/>
+                <p14:modId xmlns:p14="http://schemas.microsoft.com/office/powerpoint/2010/main" val="3962944338"/>
               </p:ext>
             </p:extLst>
           </p:nvPr>
